--- a/AISID2025.pptx
+++ b/AISID2025.pptx
@@ -12,17 +12,20 @@
     <p:sldId id="260" r:id="rId10"/>
     <p:sldId id="261" r:id="rId11"/>
     <p:sldId id="262" r:id="rId12"/>
+    <p:sldId id="263" r:id="rId13"/>
+    <p:sldId id="264" r:id="rId14"/>
+    <p:sldId id="265" r:id="rId15"/>
   </p:sldIdLst>
   <p:sldSz cx="18288000" cy="10287000"/>
   <p:notesSz cx="6858000" cy="9144000"/>
   <p:embeddedFontLst>
     <p:embeddedFont>
       <p:font typeface="DM Sans Bold" charset="1" panose="00000000000000000000"/>
-      <p:regular r:id="rId13"/>
+      <p:regular r:id="rId16"/>
     </p:embeddedFont>
     <p:embeddedFont>
       <p:font typeface="DM Sans" charset="1" panose="00000000000000000000"/>
-      <p:regular r:id="rId14"/>
+      <p:regular r:id="rId17"/>
     </p:embeddedFont>
   </p:embeddedFontLst>
   <p:defaultTextStyle>
@@ -4026,6 +4029,810 @@
 </p:sld>
 </file>
 
+<file path=ppt/slides/slide10.xml><?xml version="1.0" encoding="utf-8"?>
+<p:sld xmlns:p="http://schemas.openxmlformats.org/presentationml/2006/main" xmlns:a="http://schemas.openxmlformats.org/drawingml/2006/main" xmlns:r="http://schemas.openxmlformats.org/officeDocument/2006/relationships">
+  <p:cSld>
+    <p:bg>
+      <p:bgPr>
+        <a:solidFill>
+          <a:srgbClr val="F1F1F1"/>
+        </a:solidFill>
+      </p:bgPr>
+    </p:bg>
+    <p:spTree>
+      <p:nvGrpSpPr>
+        <p:cNvPr id="1" name=""/>
+        <p:cNvGrpSpPr/>
+        <p:nvPr/>
+      </p:nvGrpSpPr>
+      <p:grpSpPr>
+        <a:xfrm>
+          <a:off x="0" y="0"/>
+          <a:ext cx="0" cy="0"/>
+          <a:chOff x="0" y="0"/>
+          <a:chExt cx="0" cy="0"/>
+        </a:xfrm>
+      </p:grpSpPr>
+      <p:sp>
+        <p:nvSpPr>
+          <p:cNvPr name="Freeform 2" id="2"/>
+          <p:cNvSpPr/>
+          <p:nvPr/>
+        </p:nvSpPr>
+        <p:spPr>
+          <a:xfrm flipH="false" flipV="false" rot="0">
+            <a:off x="-2329398" y="8614893"/>
+            <a:ext cx="4899948" cy="3344214"/>
+          </a:xfrm>
+          <a:custGeom>
+            <a:avLst/>
+            <a:gdLst/>
+            <a:ahLst/>
+            <a:cxnLst/>
+            <a:rect r="r" b="b" t="t" l="l"/>
+            <a:pathLst>
+              <a:path h="3344214" w="4899948">
+                <a:moveTo>
+                  <a:pt x="0" y="0"/>
+                </a:moveTo>
+                <a:lnTo>
+                  <a:pt x="4899947" y="0"/>
+                </a:lnTo>
+                <a:lnTo>
+                  <a:pt x="4899947" y="3344214"/>
+                </a:lnTo>
+                <a:lnTo>
+                  <a:pt x="0" y="3344214"/>
+                </a:lnTo>
+                <a:lnTo>
+                  <a:pt x="0" y="0"/>
+                </a:lnTo>
+                <a:close/>
+              </a:path>
+            </a:pathLst>
+          </a:custGeom>
+          <a:blipFill>
+            <a:blip r:embed="rId2">
+              <a:extLst>
+                <a:ext uri="{96DAC541-7B7A-43D3-8B79-37D633B846F1}">
+                  <asvg:svgBlip xmlns:asvg="http://schemas.microsoft.com/office/drawing/2016/SVG/main" r:embed="rId3"/>
+                </a:ext>
+              </a:extLst>
+            </a:blip>
+            <a:stretch>
+              <a:fillRect l="0" t="0" r="0" b="0"/>
+            </a:stretch>
+          </a:blipFill>
+        </p:spPr>
+      </p:sp>
+      <p:sp>
+        <p:nvSpPr>
+          <p:cNvPr name="Freeform 3" id="3"/>
+          <p:cNvSpPr/>
+          <p:nvPr/>
+        </p:nvSpPr>
+        <p:spPr>
+          <a:xfrm flipH="false" flipV="false" rot="0">
+            <a:off x="6030709" y="9258300"/>
+            <a:ext cx="3059829" cy="751049"/>
+          </a:xfrm>
+          <a:custGeom>
+            <a:avLst/>
+            <a:gdLst/>
+            <a:ahLst/>
+            <a:cxnLst/>
+            <a:rect r="r" b="b" t="t" l="l"/>
+            <a:pathLst>
+              <a:path h="751049" w="3059829">
+                <a:moveTo>
+                  <a:pt x="0" y="0"/>
+                </a:moveTo>
+                <a:lnTo>
+                  <a:pt x="3059829" y="0"/>
+                </a:lnTo>
+                <a:lnTo>
+                  <a:pt x="3059829" y="751049"/>
+                </a:lnTo>
+                <a:lnTo>
+                  <a:pt x="0" y="751049"/>
+                </a:lnTo>
+                <a:lnTo>
+                  <a:pt x="0" y="0"/>
+                </a:lnTo>
+                <a:close/>
+              </a:path>
+            </a:pathLst>
+          </a:custGeom>
+          <a:blipFill>
+            <a:blip r:embed="rId4">
+              <a:extLst>
+                <a:ext uri="{96DAC541-7B7A-43D3-8B79-37D633B846F1}">
+                  <asvg:svgBlip xmlns:asvg="http://schemas.microsoft.com/office/drawing/2016/SVG/main" r:embed="rId5"/>
+                </a:ext>
+              </a:extLst>
+            </a:blip>
+            <a:stretch>
+              <a:fillRect l="0" t="0" r="0" b="0"/>
+            </a:stretch>
+          </a:blipFill>
+        </p:spPr>
+      </p:sp>
+      <p:sp>
+        <p:nvSpPr>
+          <p:cNvPr name="Freeform 4" id="4"/>
+          <p:cNvSpPr/>
+          <p:nvPr/>
+        </p:nvSpPr>
+        <p:spPr>
+          <a:xfrm flipH="false" flipV="false" rot="0">
+            <a:off x="14215205" y="8540136"/>
+            <a:ext cx="4602314" cy="3618569"/>
+          </a:xfrm>
+          <a:custGeom>
+            <a:avLst/>
+            <a:gdLst/>
+            <a:ahLst/>
+            <a:cxnLst/>
+            <a:rect r="r" b="b" t="t" l="l"/>
+            <a:pathLst>
+              <a:path h="3618569" w="4602314">
+                <a:moveTo>
+                  <a:pt x="0" y="0"/>
+                </a:moveTo>
+                <a:lnTo>
+                  <a:pt x="4602314" y="0"/>
+                </a:lnTo>
+                <a:lnTo>
+                  <a:pt x="4602314" y="3618570"/>
+                </a:lnTo>
+                <a:lnTo>
+                  <a:pt x="0" y="3618570"/>
+                </a:lnTo>
+                <a:lnTo>
+                  <a:pt x="0" y="0"/>
+                </a:lnTo>
+                <a:close/>
+              </a:path>
+            </a:pathLst>
+          </a:custGeom>
+          <a:blipFill>
+            <a:blip r:embed="rId6">
+              <a:extLst>
+                <a:ext uri="{96DAC541-7B7A-43D3-8B79-37D633B846F1}">
+                  <asvg:svgBlip xmlns:asvg="http://schemas.microsoft.com/office/drawing/2016/SVG/main" r:embed="rId7"/>
+                </a:ext>
+              </a:extLst>
+            </a:blip>
+            <a:stretch>
+              <a:fillRect l="0" t="0" r="0" b="0"/>
+            </a:stretch>
+          </a:blipFill>
+          <a:ln cap="sq">
+            <a:noFill/>
+            <a:prstDash val="solid"/>
+            <a:miter/>
+          </a:ln>
+        </p:spPr>
+      </p:sp>
+      <p:sp>
+        <p:nvSpPr>
+          <p:cNvPr name="Freeform 5" id="5"/>
+          <p:cNvSpPr/>
+          <p:nvPr/>
+        </p:nvSpPr>
+        <p:spPr>
+          <a:xfrm flipH="false" flipV="false" rot="0">
+            <a:off x="-674156" y="-1072630"/>
+            <a:ext cx="4899948" cy="3068592"/>
+          </a:xfrm>
+          <a:custGeom>
+            <a:avLst/>
+            <a:gdLst/>
+            <a:ahLst/>
+            <a:cxnLst/>
+            <a:rect r="r" b="b" t="t" l="l"/>
+            <a:pathLst>
+              <a:path h="3068592" w="4899948">
+                <a:moveTo>
+                  <a:pt x="0" y="0"/>
+                </a:moveTo>
+                <a:lnTo>
+                  <a:pt x="4899948" y="0"/>
+                </a:lnTo>
+                <a:lnTo>
+                  <a:pt x="4899948" y="3068592"/>
+                </a:lnTo>
+                <a:lnTo>
+                  <a:pt x="0" y="3068592"/>
+                </a:lnTo>
+                <a:lnTo>
+                  <a:pt x="0" y="0"/>
+                </a:lnTo>
+                <a:close/>
+              </a:path>
+            </a:pathLst>
+          </a:custGeom>
+          <a:blipFill>
+            <a:blip r:embed="rId8">
+              <a:extLst>
+                <a:ext uri="{96DAC541-7B7A-43D3-8B79-37D633B846F1}">
+                  <asvg:svgBlip xmlns:asvg="http://schemas.microsoft.com/office/drawing/2016/SVG/main" r:embed="rId9"/>
+                </a:ext>
+              </a:extLst>
+            </a:blip>
+            <a:stretch>
+              <a:fillRect l="0" t="0" r="0" b="0"/>
+            </a:stretch>
+          </a:blipFill>
+          <a:ln cap="sq">
+            <a:noFill/>
+            <a:prstDash val="solid"/>
+            <a:miter/>
+          </a:ln>
+        </p:spPr>
+      </p:sp>
+      <p:sp>
+        <p:nvSpPr>
+          <p:cNvPr name="Freeform 6" id="6"/>
+          <p:cNvSpPr/>
+          <p:nvPr/>
+        </p:nvSpPr>
+        <p:spPr>
+          <a:xfrm flipH="false" flipV="false" rot="0">
+            <a:off x="12686214" y="-2578193"/>
+            <a:ext cx="4292424" cy="3870986"/>
+          </a:xfrm>
+          <a:custGeom>
+            <a:avLst/>
+            <a:gdLst/>
+            <a:ahLst/>
+            <a:cxnLst/>
+            <a:rect r="r" b="b" t="t" l="l"/>
+            <a:pathLst>
+              <a:path h="3870986" w="4292424">
+                <a:moveTo>
+                  <a:pt x="0" y="0"/>
+                </a:moveTo>
+                <a:lnTo>
+                  <a:pt x="4292424" y="0"/>
+                </a:lnTo>
+                <a:lnTo>
+                  <a:pt x="4292424" y="3870986"/>
+                </a:lnTo>
+                <a:lnTo>
+                  <a:pt x="0" y="3870986"/>
+                </a:lnTo>
+                <a:lnTo>
+                  <a:pt x="0" y="0"/>
+                </a:lnTo>
+                <a:close/>
+              </a:path>
+            </a:pathLst>
+          </a:custGeom>
+          <a:blipFill>
+            <a:blip r:embed="rId10">
+              <a:extLst>
+                <a:ext uri="{96DAC541-7B7A-43D3-8B79-37D633B846F1}">
+                  <asvg:svgBlip xmlns:asvg="http://schemas.microsoft.com/office/drawing/2016/SVG/main" r:embed="rId11"/>
+                </a:ext>
+              </a:extLst>
+            </a:blip>
+            <a:stretch>
+              <a:fillRect l="0" t="0" r="0" b="0"/>
+            </a:stretch>
+          </a:blipFill>
+          <a:ln cap="sq">
+            <a:noFill/>
+            <a:prstDash val="solid"/>
+            <a:miter/>
+          </a:ln>
+        </p:spPr>
+      </p:sp>
+      <p:sp>
+        <p:nvSpPr>
+          <p:cNvPr name="Freeform 7" id="7"/>
+          <p:cNvSpPr/>
+          <p:nvPr/>
+        </p:nvSpPr>
+        <p:spPr>
+          <a:xfrm flipH="false" flipV="false" rot="0">
+            <a:off x="10138935" y="9258300"/>
+            <a:ext cx="4076270" cy="2863579"/>
+          </a:xfrm>
+          <a:custGeom>
+            <a:avLst/>
+            <a:gdLst/>
+            <a:ahLst/>
+            <a:cxnLst/>
+            <a:rect r="r" b="b" t="t" l="l"/>
+            <a:pathLst>
+              <a:path h="2863579" w="4076270">
+                <a:moveTo>
+                  <a:pt x="0" y="0"/>
+                </a:moveTo>
+                <a:lnTo>
+                  <a:pt x="4076270" y="0"/>
+                </a:lnTo>
+                <a:lnTo>
+                  <a:pt x="4076270" y="2863579"/>
+                </a:lnTo>
+                <a:lnTo>
+                  <a:pt x="0" y="2863579"/>
+                </a:lnTo>
+                <a:lnTo>
+                  <a:pt x="0" y="0"/>
+                </a:lnTo>
+                <a:close/>
+              </a:path>
+            </a:pathLst>
+          </a:custGeom>
+          <a:blipFill>
+            <a:blip r:embed="rId12">
+              <a:extLst>
+                <a:ext uri="{96DAC541-7B7A-43D3-8B79-37D633B846F1}">
+                  <asvg:svgBlip xmlns:asvg="http://schemas.microsoft.com/office/drawing/2016/SVG/main" r:embed="rId13"/>
+                </a:ext>
+              </a:extLst>
+            </a:blip>
+            <a:stretch>
+              <a:fillRect l="0" t="0" r="0" b="0"/>
+            </a:stretch>
+          </a:blipFill>
+          <a:ln cap="sq">
+            <a:noFill/>
+            <a:prstDash val="solid"/>
+            <a:miter/>
+          </a:ln>
+        </p:spPr>
+      </p:sp>
+      <p:sp>
+        <p:nvSpPr>
+          <p:cNvPr name="Freeform 8" id="8"/>
+          <p:cNvSpPr/>
+          <p:nvPr/>
+        </p:nvSpPr>
+        <p:spPr>
+          <a:xfrm flipH="false" flipV="false" rot="0">
+            <a:off x="7409323" y="-2700100"/>
+            <a:ext cx="5493058" cy="4114800"/>
+          </a:xfrm>
+          <a:custGeom>
+            <a:avLst/>
+            <a:gdLst/>
+            <a:ahLst/>
+            <a:cxnLst/>
+            <a:rect r="r" b="b" t="t" l="l"/>
+            <a:pathLst>
+              <a:path h="4114800" w="5493058">
+                <a:moveTo>
+                  <a:pt x="0" y="0"/>
+                </a:moveTo>
+                <a:lnTo>
+                  <a:pt x="5493058" y="0"/>
+                </a:lnTo>
+                <a:lnTo>
+                  <a:pt x="5493058" y="4114800"/>
+                </a:lnTo>
+                <a:lnTo>
+                  <a:pt x="0" y="4114800"/>
+                </a:lnTo>
+                <a:lnTo>
+                  <a:pt x="0" y="0"/>
+                </a:lnTo>
+                <a:close/>
+              </a:path>
+            </a:pathLst>
+          </a:custGeom>
+          <a:blipFill>
+            <a:blip r:embed="rId14">
+              <a:extLst>
+                <a:ext uri="{96DAC541-7B7A-43D3-8B79-37D633B846F1}">
+                  <asvg:svgBlip xmlns:asvg="http://schemas.microsoft.com/office/drawing/2016/SVG/main" r:embed="rId15"/>
+                </a:ext>
+              </a:extLst>
+            </a:blip>
+            <a:stretch>
+              <a:fillRect l="0" t="0" r="0" b="0"/>
+            </a:stretch>
+          </a:blipFill>
+          <a:ln cap="sq">
+            <a:noFill/>
+            <a:prstDash val="solid"/>
+            <a:miter/>
+          </a:ln>
+        </p:spPr>
+      </p:sp>
+      <p:sp>
+        <p:nvSpPr>
+          <p:cNvPr name="Freeform 9" id="9"/>
+          <p:cNvSpPr/>
+          <p:nvPr/>
+        </p:nvSpPr>
+        <p:spPr>
+          <a:xfrm flipH="false" flipV="false" rot="4747568">
+            <a:off x="-2972342" y="3665317"/>
+            <a:ext cx="4896097" cy="2735694"/>
+          </a:xfrm>
+          <a:custGeom>
+            <a:avLst/>
+            <a:gdLst/>
+            <a:ahLst/>
+            <a:cxnLst/>
+            <a:rect r="r" b="b" t="t" l="l"/>
+            <a:pathLst>
+              <a:path h="2735694" w="4896097">
+                <a:moveTo>
+                  <a:pt x="0" y="0"/>
+                </a:moveTo>
+                <a:lnTo>
+                  <a:pt x="4896097" y="0"/>
+                </a:lnTo>
+                <a:lnTo>
+                  <a:pt x="4896097" y="2735694"/>
+                </a:lnTo>
+                <a:lnTo>
+                  <a:pt x="0" y="2735694"/>
+                </a:lnTo>
+                <a:lnTo>
+                  <a:pt x="0" y="0"/>
+                </a:lnTo>
+                <a:close/>
+              </a:path>
+            </a:pathLst>
+          </a:custGeom>
+          <a:blipFill>
+            <a:blip r:embed="rId16">
+              <a:extLst>
+                <a:ext uri="{96DAC541-7B7A-43D3-8B79-37D633B846F1}">
+                  <asvg:svgBlip xmlns:asvg="http://schemas.microsoft.com/office/drawing/2016/SVG/main" r:embed="rId17"/>
+                </a:ext>
+              </a:extLst>
+            </a:blip>
+            <a:stretch>
+              <a:fillRect l="0" t="0" r="0" b="0"/>
+            </a:stretch>
+          </a:blipFill>
+          <a:ln cap="sq">
+            <a:noFill/>
+            <a:prstDash val="solid"/>
+            <a:miter/>
+          </a:ln>
+        </p:spPr>
+      </p:sp>
+      <p:sp>
+        <p:nvSpPr>
+          <p:cNvPr name="Freeform 10" id="10"/>
+          <p:cNvSpPr/>
+          <p:nvPr/>
+        </p:nvSpPr>
+        <p:spPr>
+          <a:xfrm flipH="false" flipV="false" rot="0">
+            <a:off x="4831481" y="-1626507"/>
+            <a:ext cx="2892762" cy="2919301"/>
+          </a:xfrm>
+          <a:custGeom>
+            <a:avLst/>
+            <a:gdLst/>
+            <a:ahLst/>
+            <a:cxnLst/>
+            <a:rect r="r" b="b" t="t" l="l"/>
+            <a:pathLst>
+              <a:path h="2919301" w="2892762">
+                <a:moveTo>
+                  <a:pt x="0" y="0"/>
+                </a:moveTo>
+                <a:lnTo>
+                  <a:pt x="2892761" y="0"/>
+                </a:lnTo>
+                <a:lnTo>
+                  <a:pt x="2892761" y="2919300"/>
+                </a:lnTo>
+                <a:lnTo>
+                  <a:pt x="0" y="2919300"/>
+                </a:lnTo>
+                <a:lnTo>
+                  <a:pt x="0" y="0"/>
+                </a:lnTo>
+                <a:close/>
+              </a:path>
+            </a:pathLst>
+          </a:custGeom>
+          <a:blipFill>
+            <a:blip r:embed="rId18">
+              <a:extLst>
+                <a:ext uri="{96DAC541-7B7A-43D3-8B79-37D633B846F1}">
+                  <asvg:svgBlip xmlns:asvg="http://schemas.microsoft.com/office/drawing/2016/SVG/main" r:embed="rId19"/>
+                </a:ext>
+              </a:extLst>
+            </a:blip>
+            <a:stretch>
+              <a:fillRect l="0" t="0" r="0" b="0"/>
+            </a:stretch>
+          </a:blipFill>
+          <a:ln cap="sq">
+            <a:noFill/>
+            <a:prstDash val="solid"/>
+            <a:miter/>
+          </a:ln>
+        </p:spPr>
+      </p:sp>
+      <p:sp>
+        <p:nvSpPr>
+          <p:cNvPr name="Freeform 11" id="11"/>
+          <p:cNvSpPr/>
+          <p:nvPr/>
+        </p:nvSpPr>
+        <p:spPr>
+          <a:xfrm flipH="false" flipV="false" rot="0">
+            <a:off x="17259300" y="2262342"/>
+            <a:ext cx="3575541" cy="3575541"/>
+          </a:xfrm>
+          <a:custGeom>
+            <a:avLst/>
+            <a:gdLst/>
+            <a:ahLst/>
+            <a:cxnLst/>
+            <a:rect r="r" b="b" t="t" l="l"/>
+            <a:pathLst>
+              <a:path h="3575541" w="3575541">
+                <a:moveTo>
+                  <a:pt x="0" y="0"/>
+                </a:moveTo>
+                <a:lnTo>
+                  <a:pt x="3575541" y="0"/>
+                </a:lnTo>
+                <a:lnTo>
+                  <a:pt x="3575541" y="3575541"/>
+                </a:lnTo>
+                <a:lnTo>
+                  <a:pt x="0" y="3575541"/>
+                </a:lnTo>
+                <a:lnTo>
+                  <a:pt x="0" y="0"/>
+                </a:lnTo>
+                <a:close/>
+              </a:path>
+            </a:pathLst>
+          </a:custGeom>
+          <a:blipFill>
+            <a:blip r:embed="rId20">
+              <a:extLst>
+                <a:ext uri="{96DAC541-7B7A-43D3-8B79-37D633B846F1}">
+                  <asvg:svgBlip xmlns:asvg="http://schemas.microsoft.com/office/drawing/2016/SVG/main" r:embed="rId21"/>
+                </a:ext>
+              </a:extLst>
+            </a:blip>
+            <a:stretch>
+              <a:fillRect l="0" t="0" r="0" b="0"/>
+            </a:stretch>
+          </a:blipFill>
+          <a:ln cap="sq">
+            <a:noFill/>
+            <a:prstDash val="solid"/>
+            <a:miter/>
+          </a:ln>
+        </p:spPr>
+      </p:sp>
+      <p:sp>
+        <p:nvSpPr>
+          <p:cNvPr name="Freeform 12" id="12"/>
+          <p:cNvSpPr/>
+          <p:nvPr/>
+        </p:nvSpPr>
+        <p:spPr>
+          <a:xfrm flipH="false" flipV="false" rot="0">
+            <a:off x="2570549" y="9093737"/>
+            <a:ext cx="2587020" cy="2386526"/>
+          </a:xfrm>
+          <a:custGeom>
+            <a:avLst/>
+            <a:gdLst/>
+            <a:ahLst/>
+            <a:cxnLst/>
+            <a:rect r="r" b="b" t="t" l="l"/>
+            <a:pathLst>
+              <a:path h="2386526" w="2587020">
+                <a:moveTo>
+                  <a:pt x="0" y="0"/>
+                </a:moveTo>
+                <a:lnTo>
+                  <a:pt x="2587020" y="0"/>
+                </a:lnTo>
+                <a:lnTo>
+                  <a:pt x="2587020" y="2386526"/>
+                </a:lnTo>
+                <a:lnTo>
+                  <a:pt x="0" y="2386526"/>
+                </a:lnTo>
+                <a:lnTo>
+                  <a:pt x="0" y="0"/>
+                </a:lnTo>
+                <a:close/>
+              </a:path>
+            </a:pathLst>
+          </a:custGeom>
+          <a:blipFill>
+            <a:blip r:embed="rId22">
+              <a:extLst>
+                <a:ext uri="{96DAC541-7B7A-43D3-8B79-37D633B846F1}">
+                  <asvg:svgBlip xmlns:asvg="http://schemas.microsoft.com/office/drawing/2016/SVG/main" r:embed="rId23"/>
+                </a:ext>
+              </a:extLst>
+            </a:blip>
+            <a:stretch>
+              <a:fillRect l="0" t="0" r="0" b="0"/>
+            </a:stretch>
+          </a:blipFill>
+          <a:ln cap="sq">
+            <a:noFill/>
+            <a:prstDash val="solid"/>
+            <a:miter/>
+          </a:ln>
+        </p:spPr>
+      </p:sp>
+      <p:sp>
+        <p:nvSpPr>
+          <p:cNvPr name="Freeform 13" id="13"/>
+          <p:cNvSpPr/>
+          <p:nvPr/>
+        </p:nvSpPr>
+        <p:spPr>
+          <a:xfrm flipH="false" flipV="false" rot="-5282649">
+            <a:off x="16440369" y="6970869"/>
+            <a:ext cx="3382987" cy="1154444"/>
+          </a:xfrm>
+          <a:custGeom>
+            <a:avLst/>
+            <a:gdLst/>
+            <a:ahLst/>
+            <a:cxnLst/>
+            <a:rect r="r" b="b" t="t" l="l"/>
+            <a:pathLst>
+              <a:path h="1154444" w="3382987">
+                <a:moveTo>
+                  <a:pt x="0" y="0"/>
+                </a:moveTo>
+                <a:lnTo>
+                  <a:pt x="3382987" y="0"/>
+                </a:lnTo>
+                <a:lnTo>
+                  <a:pt x="3382987" y="1154445"/>
+                </a:lnTo>
+                <a:lnTo>
+                  <a:pt x="0" y="1154445"/>
+                </a:lnTo>
+                <a:lnTo>
+                  <a:pt x="0" y="0"/>
+                </a:lnTo>
+                <a:close/>
+              </a:path>
+            </a:pathLst>
+          </a:custGeom>
+          <a:blipFill>
+            <a:blip r:embed="rId24">
+              <a:extLst>
+                <a:ext uri="{96DAC541-7B7A-43D3-8B79-37D633B846F1}">
+                  <asvg:svgBlip xmlns:asvg="http://schemas.microsoft.com/office/drawing/2016/SVG/main" r:embed="rId25"/>
+                </a:ext>
+              </a:extLst>
+            </a:blip>
+            <a:stretch>
+              <a:fillRect l="0" t="0" r="0" b="0"/>
+            </a:stretch>
+          </a:blipFill>
+          <a:ln cap="sq">
+            <a:noFill/>
+            <a:prstDash val="solid"/>
+            <a:miter/>
+          </a:ln>
+        </p:spPr>
+      </p:sp>
+      <p:sp>
+        <p:nvSpPr>
+          <p:cNvPr name="Freeform 14" id="14"/>
+          <p:cNvSpPr/>
+          <p:nvPr/>
+        </p:nvSpPr>
+        <p:spPr>
+          <a:xfrm flipH="false" flipV="false" rot="0">
+            <a:off x="16978638" y="-642644"/>
+            <a:ext cx="3104522" cy="3342688"/>
+          </a:xfrm>
+          <a:custGeom>
+            <a:avLst/>
+            <a:gdLst/>
+            <a:ahLst/>
+            <a:cxnLst/>
+            <a:rect r="r" b="b" t="t" l="l"/>
+            <a:pathLst>
+              <a:path h="3342688" w="3104522">
+                <a:moveTo>
+                  <a:pt x="0" y="0"/>
+                </a:moveTo>
+                <a:lnTo>
+                  <a:pt x="3104522" y="0"/>
+                </a:lnTo>
+                <a:lnTo>
+                  <a:pt x="3104522" y="3342688"/>
+                </a:lnTo>
+                <a:lnTo>
+                  <a:pt x="0" y="3342688"/>
+                </a:lnTo>
+                <a:lnTo>
+                  <a:pt x="0" y="0"/>
+                </a:lnTo>
+                <a:close/>
+              </a:path>
+            </a:pathLst>
+          </a:custGeom>
+          <a:blipFill>
+            <a:blip r:embed="rId26">
+              <a:extLst>
+                <a:ext uri="{96DAC541-7B7A-43D3-8B79-37D633B846F1}">
+                  <asvg:svgBlip xmlns:asvg="http://schemas.microsoft.com/office/drawing/2016/SVG/main" r:embed="rId27"/>
+                </a:ext>
+              </a:extLst>
+            </a:blip>
+            <a:stretch>
+              <a:fillRect l="0" t="0" r="0" b="0"/>
+            </a:stretch>
+          </a:blipFill>
+          <a:ln cap="sq">
+            <a:noFill/>
+            <a:prstDash val="solid"/>
+            <a:miter/>
+          </a:ln>
+        </p:spPr>
+      </p:sp>
+      <p:sp>
+        <p:nvSpPr>
+          <p:cNvPr name="TextBox 15" id="15"/>
+          <p:cNvSpPr txBox="true"/>
+          <p:nvPr/>
+        </p:nvSpPr>
+        <p:spPr>
+          <a:xfrm rot="0">
+            <a:off x="3688802" y="3694607"/>
+            <a:ext cx="10910396" cy="3364511"/>
+          </a:xfrm>
+          <a:prstGeom prst="rect">
+            <a:avLst/>
+          </a:prstGeom>
+        </p:spPr>
+        <p:txBody>
+          <a:bodyPr anchor="t" rtlCol="false" tIns="0" lIns="0" bIns="0" rIns="0">
+            <a:spAutoFit/>
+          </a:bodyPr>
+          <a:lstStyle/>
+          <a:p>
+            <a:pPr algn="ctr">
+              <a:lnSpc>
+                <a:spcPts val="12699"/>
+              </a:lnSpc>
+            </a:pPr>
+            <a:r>
+              <a:rPr lang="en-US" b="true" sz="14597">
+                <a:solidFill>
+                  <a:srgbClr val="000000"/>
+                </a:solidFill>
+                <a:latin typeface="DM Sans Bold"/>
+                <a:ea typeface="DM Sans Bold"/>
+                <a:cs typeface="DM Sans Bold"/>
+                <a:sym typeface="DM Sans Bold"/>
+              </a:rPr>
+              <a:t>Спасибо за внимание!</a:t>
+            </a:r>
+          </a:p>
+        </p:txBody>
+      </p:sp>
+    </p:spTree>
+  </p:cSld>
+  <p:clrMapOvr>
+    <a:masterClrMapping/>
+  </p:clrMapOvr>
+</p:sld>
+</file>
+
 <file path=ppt/slides/slide2.xml><?xml version="1.0" encoding="utf-8"?>
 <p:sld xmlns:p="http://schemas.openxmlformats.org/presentationml/2006/main" xmlns:a="http://schemas.openxmlformats.org/drawingml/2006/main" xmlns:r="http://schemas.openxmlformats.org/officeDocument/2006/relationships">
   <p:cSld>
@@ -4507,6 +5314,2095 @@
 </file>
 
 <file path=ppt/slides/slide3.xml><?xml version="1.0" encoding="utf-8"?>
+<p:sld xmlns:p="http://schemas.openxmlformats.org/presentationml/2006/main" xmlns:a="http://schemas.openxmlformats.org/drawingml/2006/main" xmlns:r="http://schemas.openxmlformats.org/officeDocument/2006/relationships">
+  <p:cSld>
+    <p:bg>
+      <p:bgPr>
+        <a:solidFill>
+          <a:srgbClr val="F1F1F1"/>
+        </a:solidFill>
+      </p:bgPr>
+    </p:bg>
+    <p:spTree>
+      <p:nvGrpSpPr>
+        <p:cNvPr id="1" name=""/>
+        <p:cNvGrpSpPr/>
+        <p:nvPr/>
+      </p:nvGrpSpPr>
+      <p:grpSpPr>
+        <a:xfrm>
+          <a:off x="0" y="0"/>
+          <a:ext cx="0" cy="0"/>
+          <a:chOff x="0" y="0"/>
+          <a:chExt cx="0" cy="0"/>
+        </a:xfrm>
+      </p:grpSpPr>
+      <p:sp>
+        <p:nvSpPr>
+          <p:cNvPr name="TextBox 2" id="2"/>
+          <p:cNvSpPr txBox="true"/>
+          <p:nvPr/>
+        </p:nvSpPr>
+        <p:spPr>
+          <a:xfrm rot="0">
+            <a:off x="1671563" y="473955"/>
+            <a:ext cx="14291787" cy="1917456"/>
+          </a:xfrm>
+          <a:prstGeom prst="rect">
+            <a:avLst/>
+          </a:prstGeom>
+        </p:spPr>
+        <p:txBody>
+          <a:bodyPr anchor="t" rtlCol="false" tIns="0" lIns="0" bIns="0" rIns="0">
+            <a:spAutoFit/>
+          </a:bodyPr>
+          <a:lstStyle/>
+          <a:p>
+            <a:pPr algn="l">
+              <a:lnSpc>
+                <a:spcPts val="7372"/>
+              </a:lnSpc>
+            </a:pPr>
+            <a:r>
+              <a:rPr lang="en-US" sz="7600" b="true">
+                <a:solidFill>
+                  <a:srgbClr val="000000"/>
+                </a:solidFill>
+                <a:latin typeface="DM Sans Bold"/>
+                <a:ea typeface="DM Sans Bold"/>
+                <a:cs typeface="DM Sans Bold"/>
+                <a:sym typeface="DM Sans Bold"/>
+              </a:rPr>
+              <a:t>Проблемы, с которыми столкнулись и их решения</a:t>
+            </a:r>
+          </a:p>
+        </p:txBody>
+      </p:sp>
+      <p:sp>
+        <p:nvSpPr>
+          <p:cNvPr name="Freeform 3" id="3"/>
+          <p:cNvSpPr/>
+          <p:nvPr/>
+        </p:nvSpPr>
+        <p:spPr>
+          <a:xfrm flipH="false" flipV="false" rot="0">
+            <a:off x="15353489" y="8540136"/>
+            <a:ext cx="4602314" cy="3618569"/>
+          </a:xfrm>
+          <a:custGeom>
+            <a:avLst/>
+            <a:gdLst/>
+            <a:ahLst/>
+            <a:cxnLst/>
+            <a:rect r="r" b="b" t="t" l="l"/>
+            <a:pathLst>
+              <a:path h="3618569" w="4602314">
+                <a:moveTo>
+                  <a:pt x="0" y="0"/>
+                </a:moveTo>
+                <a:lnTo>
+                  <a:pt x="4602314" y="0"/>
+                </a:lnTo>
+                <a:lnTo>
+                  <a:pt x="4602314" y="3618570"/>
+                </a:lnTo>
+                <a:lnTo>
+                  <a:pt x="0" y="3618570"/>
+                </a:lnTo>
+                <a:lnTo>
+                  <a:pt x="0" y="0"/>
+                </a:lnTo>
+                <a:close/>
+              </a:path>
+            </a:pathLst>
+          </a:custGeom>
+          <a:blipFill>
+            <a:blip r:embed="rId2">
+              <a:extLst>
+                <a:ext uri="{96DAC541-7B7A-43D3-8B79-37D633B846F1}">
+                  <asvg:svgBlip xmlns:asvg="http://schemas.microsoft.com/office/drawing/2016/SVG/main" r:embed="rId3"/>
+                </a:ext>
+              </a:extLst>
+            </a:blip>
+            <a:stretch>
+              <a:fillRect l="0" t="0" r="0" b="0"/>
+            </a:stretch>
+          </a:blipFill>
+          <a:ln cap="sq">
+            <a:noFill/>
+            <a:prstDash val="solid"/>
+            <a:miter/>
+          </a:ln>
+        </p:spPr>
+      </p:sp>
+      <p:sp>
+        <p:nvSpPr>
+          <p:cNvPr name="Freeform 4" id="4"/>
+          <p:cNvSpPr/>
+          <p:nvPr/>
+        </p:nvSpPr>
+        <p:spPr>
+          <a:xfrm flipH="false" flipV="false" rot="-2540070">
+            <a:off x="-2930671" y="-764205"/>
+            <a:ext cx="4899948" cy="3068592"/>
+          </a:xfrm>
+          <a:custGeom>
+            <a:avLst/>
+            <a:gdLst/>
+            <a:ahLst/>
+            <a:cxnLst/>
+            <a:rect r="r" b="b" t="t" l="l"/>
+            <a:pathLst>
+              <a:path h="3068592" w="4899948">
+                <a:moveTo>
+                  <a:pt x="0" y="0"/>
+                </a:moveTo>
+                <a:lnTo>
+                  <a:pt x="4899948" y="0"/>
+                </a:lnTo>
+                <a:lnTo>
+                  <a:pt x="4899948" y="3068592"/>
+                </a:lnTo>
+                <a:lnTo>
+                  <a:pt x="0" y="3068592"/>
+                </a:lnTo>
+                <a:lnTo>
+                  <a:pt x="0" y="0"/>
+                </a:lnTo>
+                <a:close/>
+              </a:path>
+            </a:pathLst>
+          </a:custGeom>
+          <a:blipFill>
+            <a:blip r:embed="rId4">
+              <a:extLst>
+                <a:ext uri="{96DAC541-7B7A-43D3-8B79-37D633B846F1}">
+                  <asvg:svgBlip xmlns:asvg="http://schemas.microsoft.com/office/drawing/2016/SVG/main" r:embed="rId5"/>
+                </a:ext>
+              </a:extLst>
+            </a:blip>
+            <a:stretch>
+              <a:fillRect l="0" t="0" r="0" b="0"/>
+            </a:stretch>
+          </a:blipFill>
+          <a:ln cap="sq">
+            <a:noFill/>
+            <a:prstDash val="solid"/>
+            <a:miter/>
+          </a:ln>
+        </p:spPr>
+      </p:sp>
+      <p:sp>
+        <p:nvSpPr>
+          <p:cNvPr name="Freeform 5" id="5"/>
+          <p:cNvSpPr/>
+          <p:nvPr/>
+        </p:nvSpPr>
+        <p:spPr>
+          <a:xfrm flipH="false" flipV="false" rot="0">
+            <a:off x="9144000" y="9258300"/>
+            <a:ext cx="4076270" cy="2863579"/>
+          </a:xfrm>
+          <a:custGeom>
+            <a:avLst/>
+            <a:gdLst/>
+            <a:ahLst/>
+            <a:cxnLst/>
+            <a:rect r="r" b="b" t="t" l="l"/>
+            <a:pathLst>
+              <a:path h="2863579" w="4076270">
+                <a:moveTo>
+                  <a:pt x="0" y="0"/>
+                </a:moveTo>
+                <a:lnTo>
+                  <a:pt x="4076270" y="0"/>
+                </a:lnTo>
+                <a:lnTo>
+                  <a:pt x="4076270" y="2863579"/>
+                </a:lnTo>
+                <a:lnTo>
+                  <a:pt x="0" y="2863579"/>
+                </a:lnTo>
+                <a:lnTo>
+                  <a:pt x="0" y="0"/>
+                </a:lnTo>
+                <a:close/>
+              </a:path>
+            </a:pathLst>
+          </a:custGeom>
+          <a:blipFill>
+            <a:blip r:embed="rId6">
+              <a:extLst>
+                <a:ext uri="{96DAC541-7B7A-43D3-8B79-37D633B846F1}">
+                  <asvg:svgBlip xmlns:asvg="http://schemas.microsoft.com/office/drawing/2016/SVG/main" r:embed="rId7"/>
+                </a:ext>
+              </a:extLst>
+            </a:blip>
+            <a:stretch>
+              <a:fillRect l="0" t="0" r="0" b="0"/>
+            </a:stretch>
+          </a:blipFill>
+          <a:ln cap="sq">
+            <a:noFill/>
+            <a:prstDash val="solid"/>
+            <a:miter/>
+          </a:ln>
+        </p:spPr>
+      </p:sp>
+      <p:sp>
+        <p:nvSpPr>
+          <p:cNvPr name="Freeform 6" id="6"/>
+          <p:cNvSpPr/>
+          <p:nvPr/>
+        </p:nvSpPr>
+        <p:spPr>
+          <a:xfrm flipH="false" flipV="false" rot="0">
+            <a:off x="17812986" y="3147427"/>
+            <a:ext cx="2892762" cy="2919301"/>
+          </a:xfrm>
+          <a:custGeom>
+            <a:avLst/>
+            <a:gdLst/>
+            <a:ahLst/>
+            <a:cxnLst/>
+            <a:rect r="r" b="b" t="t" l="l"/>
+            <a:pathLst>
+              <a:path h="2919301" w="2892762">
+                <a:moveTo>
+                  <a:pt x="0" y="0"/>
+                </a:moveTo>
+                <a:lnTo>
+                  <a:pt x="2892762" y="0"/>
+                </a:lnTo>
+                <a:lnTo>
+                  <a:pt x="2892762" y="2919301"/>
+                </a:lnTo>
+                <a:lnTo>
+                  <a:pt x="0" y="2919301"/>
+                </a:lnTo>
+                <a:lnTo>
+                  <a:pt x="0" y="0"/>
+                </a:lnTo>
+                <a:close/>
+              </a:path>
+            </a:pathLst>
+          </a:custGeom>
+          <a:blipFill>
+            <a:blip r:embed="rId8">
+              <a:extLst>
+                <a:ext uri="{96DAC541-7B7A-43D3-8B79-37D633B846F1}">
+                  <asvg:svgBlip xmlns:asvg="http://schemas.microsoft.com/office/drawing/2016/SVG/main" r:embed="rId9"/>
+                </a:ext>
+              </a:extLst>
+            </a:blip>
+            <a:stretch>
+              <a:fillRect l="0" t="0" r="0" b="0"/>
+            </a:stretch>
+          </a:blipFill>
+          <a:ln cap="sq">
+            <a:noFill/>
+            <a:prstDash val="solid"/>
+            <a:miter/>
+          </a:ln>
+        </p:spPr>
+      </p:sp>
+      <p:sp>
+        <p:nvSpPr>
+          <p:cNvPr name="Freeform 7" id="7"/>
+          <p:cNvSpPr/>
+          <p:nvPr/>
+        </p:nvSpPr>
+        <p:spPr>
+          <a:xfrm flipH="false" flipV="false" rot="-5282649">
+            <a:off x="16004285" y="265374"/>
+            <a:ext cx="4017207" cy="1370872"/>
+          </a:xfrm>
+          <a:custGeom>
+            <a:avLst/>
+            <a:gdLst/>
+            <a:ahLst/>
+            <a:cxnLst/>
+            <a:rect r="r" b="b" t="t" l="l"/>
+            <a:pathLst>
+              <a:path h="1370872" w="4017207">
+                <a:moveTo>
+                  <a:pt x="0" y="0"/>
+                </a:moveTo>
+                <a:lnTo>
+                  <a:pt x="4017207" y="0"/>
+                </a:lnTo>
+                <a:lnTo>
+                  <a:pt x="4017207" y="1370872"/>
+                </a:lnTo>
+                <a:lnTo>
+                  <a:pt x="0" y="1370872"/>
+                </a:lnTo>
+                <a:lnTo>
+                  <a:pt x="0" y="0"/>
+                </a:lnTo>
+                <a:close/>
+              </a:path>
+            </a:pathLst>
+          </a:custGeom>
+          <a:blipFill>
+            <a:blip r:embed="rId10">
+              <a:extLst>
+                <a:ext uri="{96DAC541-7B7A-43D3-8B79-37D633B846F1}">
+                  <asvg:svgBlip xmlns:asvg="http://schemas.microsoft.com/office/drawing/2016/SVG/main" r:embed="rId11"/>
+                </a:ext>
+              </a:extLst>
+            </a:blip>
+            <a:stretch>
+              <a:fillRect l="0" t="0" r="0" b="0"/>
+            </a:stretch>
+          </a:blipFill>
+          <a:ln cap="sq">
+            <a:noFill/>
+            <a:prstDash val="solid"/>
+            <a:miter/>
+          </a:ln>
+        </p:spPr>
+      </p:sp>
+      <p:sp>
+        <p:nvSpPr>
+          <p:cNvPr name="TextBox 8" id="8"/>
+          <p:cNvSpPr txBox="true"/>
+          <p:nvPr/>
+        </p:nvSpPr>
+        <p:spPr>
+          <a:xfrm rot="0">
+            <a:off x="1671563" y="2895912"/>
+            <a:ext cx="9148312" cy="6843142"/>
+          </a:xfrm>
+          <a:prstGeom prst="rect">
+            <a:avLst/>
+          </a:prstGeom>
+        </p:spPr>
+        <p:txBody>
+          <a:bodyPr anchor="t" rtlCol="false" tIns="0" lIns="0" bIns="0" rIns="0">
+            <a:spAutoFit/>
+          </a:bodyPr>
+          <a:lstStyle/>
+          <a:p>
+            <a:pPr algn="l" marL="474976" indent="-237488" lvl="1">
+              <a:lnSpc>
+                <a:spcPts val="3431"/>
+              </a:lnSpc>
+              <a:buFont typeface="Arial"/>
+              <a:buChar char="•"/>
+            </a:pPr>
+            <a:r>
+              <a:rPr lang="en-US" sz="2199">
+                <a:solidFill>
+                  <a:srgbClr val="000000"/>
+                </a:solidFill>
+                <a:latin typeface="DM Sans"/>
+                <a:ea typeface="DM Sans"/>
+                <a:cs typeface="DM Sans"/>
+                <a:sym typeface="DM Sans"/>
+              </a:rPr>
+              <a:t>Обновление сообщений вместо отправки новых</a:t>
+            </a:r>
+          </a:p>
+          <a:p>
+            <a:pPr algn="l">
+              <a:lnSpc>
+                <a:spcPts val="3431"/>
+              </a:lnSpc>
+              <a:spcBef>
+                <a:spcPct val="0"/>
+              </a:spcBef>
+            </a:pPr>
+            <a:r>
+              <a:rPr lang="en-US" sz="2199">
+                <a:solidFill>
+                  <a:srgbClr val="000000"/>
+                </a:solidFill>
+                <a:latin typeface="DM Sans"/>
+                <a:ea typeface="DM Sans"/>
+                <a:cs typeface="DM Sans"/>
+                <a:sym typeface="DM Sans"/>
+              </a:rPr>
+              <a:t> Изначально бот отправлял новое сообщение при каждом нажатии кнопки, засоряя чат. Мы решили эту проблему, используя edit_message_text() — теперь бот просто обновляет текст в уже отправленном сообщении.</a:t>
+            </a:r>
+          </a:p>
+          <a:p>
+            <a:pPr algn="l" marL="474976" indent="-237488" lvl="1">
+              <a:lnSpc>
+                <a:spcPts val="3431"/>
+              </a:lnSpc>
+              <a:buFont typeface="Arial"/>
+              <a:buChar char="•"/>
+            </a:pPr>
+            <a:r>
+              <a:rPr lang="en-US" sz="2199">
+                <a:solidFill>
+                  <a:srgbClr val="000000"/>
+                </a:solidFill>
+                <a:latin typeface="DM Sans"/>
+                <a:ea typeface="DM Sans"/>
+                <a:cs typeface="DM Sans"/>
+                <a:sym typeface="DM Sans"/>
+              </a:rPr>
+              <a:t>Передача файлов без ошибок</a:t>
+            </a:r>
+          </a:p>
+          <a:p>
+            <a:pPr algn="l">
+              <a:lnSpc>
+                <a:spcPts val="3431"/>
+              </a:lnSpc>
+              <a:spcBef>
+                <a:spcPct val="0"/>
+              </a:spcBef>
+            </a:pPr>
+            <a:r>
+              <a:rPr lang="en-US" sz="2199">
+                <a:solidFill>
+                  <a:srgbClr val="000000"/>
+                </a:solidFill>
+                <a:latin typeface="DM Sans"/>
+                <a:ea typeface="DM Sans"/>
+                <a:cs typeface="DM Sans"/>
+                <a:sym typeface="DM Sans"/>
+              </a:rPr>
+              <a:t> При загрузке документов через InputFile() возникли ошибки с путями к файлам. Нам пришлось тщательно тестировать систему и следить за правильными названиями и кодировкой файлов, чтобы они корректно отправлялись пользователю.</a:t>
+            </a:r>
+          </a:p>
+          <a:p>
+            <a:pPr algn="l" marL="474976" indent="-237488" lvl="1">
+              <a:lnSpc>
+                <a:spcPts val="3431"/>
+              </a:lnSpc>
+              <a:buFont typeface="Arial"/>
+              <a:buChar char="•"/>
+            </a:pPr>
+            <a:r>
+              <a:rPr lang="en-US" sz="2199">
+                <a:solidFill>
+                  <a:srgbClr val="000000"/>
+                </a:solidFill>
+                <a:latin typeface="DM Sans"/>
+                <a:ea typeface="DM Sans"/>
+                <a:cs typeface="DM Sans"/>
+                <a:sym typeface="DM Sans"/>
+              </a:rPr>
+              <a:t>Удобные кнопки навигации</a:t>
+            </a:r>
+          </a:p>
+          <a:p>
+            <a:pPr algn="l">
+              <a:lnSpc>
+                <a:spcPts val="3431"/>
+              </a:lnSpc>
+              <a:spcBef>
+                <a:spcPct val="0"/>
+              </a:spcBef>
+            </a:pPr>
+            <a:r>
+              <a:rPr lang="en-US" sz="2199">
+                <a:solidFill>
+                  <a:srgbClr val="000000"/>
+                </a:solidFill>
+                <a:latin typeface="DM Sans"/>
+                <a:ea typeface="DM Sans"/>
+                <a:cs typeface="DM Sans"/>
+                <a:sym typeface="DM Sans"/>
+              </a:rPr>
+              <a:t> Чтобы пользователи не вводили команды вручную, мы внедрили InlineKeyboardButton. Теперь взаимодействие с ботом происходит через удобные кнопки, что делает использование более простым и интуитивно понятным.</a:t>
+            </a:r>
+          </a:p>
+          <a:p>
+            <a:pPr algn="l">
+              <a:lnSpc>
+                <a:spcPts val="3431"/>
+              </a:lnSpc>
+              <a:spcBef>
+                <a:spcPct val="0"/>
+              </a:spcBef>
+            </a:pPr>
+          </a:p>
+        </p:txBody>
+      </p:sp>
+      <p:sp>
+        <p:nvSpPr>
+          <p:cNvPr name="Freeform 9" id="9"/>
+          <p:cNvSpPr/>
+          <p:nvPr/>
+        </p:nvSpPr>
+        <p:spPr>
+          <a:xfrm flipH="false" flipV="false" rot="0">
+            <a:off x="11402764" y="3018634"/>
+            <a:ext cx="6092805" cy="4249731"/>
+          </a:xfrm>
+          <a:custGeom>
+            <a:avLst/>
+            <a:gdLst/>
+            <a:ahLst/>
+            <a:cxnLst/>
+            <a:rect r="r" b="b" t="t" l="l"/>
+            <a:pathLst>
+              <a:path h="4249731" w="6092805">
+                <a:moveTo>
+                  <a:pt x="0" y="0"/>
+                </a:moveTo>
+                <a:lnTo>
+                  <a:pt x="6092805" y="0"/>
+                </a:lnTo>
+                <a:lnTo>
+                  <a:pt x="6092805" y="4249732"/>
+                </a:lnTo>
+                <a:lnTo>
+                  <a:pt x="0" y="4249732"/>
+                </a:lnTo>
+                <a:lnTo>
+                  <a:pt x="0" y="0"/>
+                </a:lnTo>
+                <a:close/>
+              </a:path>
+            </a:pathLst>
+          </a:custGeom>
+          <a:blipFill>
+            <a:blip r:embed="rId12">
+              <a:extLst>
+                <a:ext uri="{96DAC541-7B7A-43D3-8B79-37D633B846F1}">
+                  <asvg:svgBlip xmlns:asvg="http://schemas.microsoft.com/office/drawing/2016/SVG/main" r:embed="rId13"/>
+                </a:ext>
+              </a:extLst>
+            </a:blip>
+            <a:stretch>
+              <a:fillRect l="0" t="0" r="0" b="0"/>
+            </a:stretch>
+          </a:blipFill>
+        </p:spPr>
+      </p:sp>
+    </p:spTree>
+  </p:cSld>
+  <p:clrMapOvr>
+    <a:masterClrMapping/>
+  </p:clrMapOvr>
+</p:sld>
+</file>
+
+<file path=ppt/slides/slide4.xml><?xml version="1.0" encoding="utf-8"?>
+<p:sld xmlns:p="http://schemas.openxmlformats.org/presentationml/2006/main" xmlns:a="http://schemas.openxmlformats.org/drawingml/2006/main" xmlns:r="http://schemas.openxmlformats.org/officeDocument/2006/relationships">
+  <p:cSld>
+    <p:bg>
+      <p:bgPr>
+        <a:solidFill>
+          <a:srgbClr val="F1F1F1"/>
+        </a:solidFill>
+      </p:bgPr>
+    </p:bg>
+    <p:spTree>
+      <p:nvGrpSpPr>
+        <p:cNvPr id="1" name=""/>
+        <p:cNvGrpSpPr/>
+        <p:nvPr/>
+      </p:nvGrpSpPr>
+      <p:grpSpPr>
+        <a:xfrm>
+          <a:off x="0" y="0"/>
+          <a:ext cx="0" cy="0"/>
+          <a:chOff x="0" y="0"/>
+          <a:chExt cx="0" cy="0"/>
+        </a:xfrm>
+      </p:grpSpPr>
+      <p:sp>
+        <p:nvSpPr>
+          <p:cNvPr name="Freeform 2" id="2"/>
+          <p:cNvSpPr/>
+          <p:nvPr/>
+        </p:nvSpPr>
+        <p:spPr>
+          <a:xfrm flipH="false" flipV="false" rot="0">
+            <a:off x="-2329398" y="8614893"/>
+            <a:ext cx="4899948" cy="3344214"/>
+          </a:xfrm>
+          <a:custGeom>
+            <a:avLst/>
+            <a:gdLst/>
+            <a:ahLst/>
+            <a:cxnLst/>
+            <a:rect r="r" b="b" t="t" l="l"/>
+            <a:pathLst>
+              <a:path h="3344214" w="4899948">
+                <a:moveTo>
+                  <a:pt x="0" y="0"/>
+                </a:moveTo>
+                <a:lnTo>
+                  <a:pt x="4899947" y="0"/>
+                </a:lnTo>
+                <a:lnTo>
+                  <a:pt x="4899947" y="3344214"/>
+                </a:lnTo>
+                <a:lnTo>
+                  <a:pt x="0" y="3344214"/>
+                </a:lnTo>
+                <a:lnTo>
+                  <a:pt x="0" y="0"/>
+                </a:lnTo>
+                <a:close/>
+              </a:path>
+            </a:pathLst>
+          </a:custGeom>
+          <a:blipFill>
+            <a:blip r:embed="rId2">
+              <a:extLst>
+                <a:ext uri="{96DAC541-7B7A-43D3-8B79-37D633B846F1}">
+                  <asvg:svgBlip xmlns:asvg="http://schemas.microsoft.com/office/drawing/2016/SVG/main" r:embed="rId3"/>
+                </a:ext>
+              </a:extLst>
+            </a:blip>
+            <a:stretch>
+              <a:fillRect l="0" t="0" r="0" b="0"/>
+            </a:stretch>
+          </a:blipFill>
+        </p:spPr>
+      </p:sp>
+      <p:sp>
+        <p:nvSpPr>
+          <p:cNvPr name="Freeform 3" id="3"/>
+          <p:cNvSpPr/>
+          <p:nvPr/>
+        </p:nvSpPr>
+        <p:spPr>
+          <a:xfrm flipH="false" flipV="false" rot="0">
+            <a:off x="6030709" y="9258300"/>
+            <a:ext cx="3059829" cy="751049"/>
+          </a:xfrm>
+          <a:custGeom>
+            <a:avLst/>
+            <a:gdLst/>
+            <a:ahLst/>
+            <a:cxnLst/>
+            <a:rect r="r" b="b" t="t" l="l"/>
+            <a:pathLst>
+              <a:path h="751049" w="3059829">
+                <a:moveTo>
+                  <a:pt x="0" y="0"/>
+                </a:moveTo>
+                <a:lnTo>
+                  <a:pt x="3059829" y="0"/>
+                </a:lnTo>
+                <a:lnTo>
+                  <a:pt x="3059829" y="751049"/>
+                </a:lnTo>
+                <a:lnTo>
+                  <a:pt x="0" y="751049"/>
+                </a:lnTo>
+                <a:lnTo>
+                  <a:pt x="0" y="0"/>
+                </a:lnTo>
+                <a:close/>
+              </a:path>
+            </a:pathLst>
+          </a:custGeom>
+          <a:blipFill>
+            <a:blip r:embed="rId4">
+              <a:extLst>
+                <a:ext uri="{96DAC541-7B7A-43D3-8B79-37D633B846F1}">
+                  <asvg:svgBlip xmlns:asvg="http://schemas.microsoft.com/office/drawing/2016/SVG/main" r:embed="rId5"/>
+                </a:ext>
+              </a:extLst>
+            </a:blip>
+            <a:stretch>
+              <a:fillRect l="0" t="0" r="0" b="0"/>
+            </a:stretch>
+          </a:blipFill>
+        </p:spPr>
+      </p:sp>
+      <p:sp>
+        <p:nvSpPr>
+          <p:cNvPr name="Freeform 4" id="4"/>
+          <p:cNvSpPr/>
+          <p:nvPr/>
+        </p:nvSpPr>
+        <p:spPr>
+          <a:xfrm flipH="false" flipV="false" rot="0">
+            <a:off x="14215205" y="8540136"/>
+            <a:ext cx="4602314" cy="3618569"/>
+          </a:xfrm>
+          <a:custGeom>
+            <a:avLst/>
+            <a:gdLst/>
+            <a:ahLst/>
+            <a:cxnLst/>
+            <a:rect r="r" b="b" t="t" l="l"/>
+            <a:pathLst>
+              <a:path h="3618569" w="4602314">
+                <a:moveTo>
+                  <a:pt x="0" y="0"/>
+                </a:moveTo>
+                <a:lnTo>
+                  <a:pt x="4602314" y="0"/>
+                </a:lnTo>
+                <a:lnTo>
+                  <a:pt x="4602314" y="3618570"/>
+                </a:lnTo>
+                <a:lnTo>
+                  <a:pt x="0" y="3618570"/>
+                </a:lnTo>
+                <a:lnTo>
+                  <a:pt x="0" y="0"/>
+                </a:lnTo>
+                <a:close/>
+              </a:path>
+            </a:pathLst>
+          </a:custGeom>
+          <a:blipFill>
+            <a:blip r:embed="rId6">
+              <a:extLst>
+                <a:ext uri="{96DAC541-7B7A-43D3-8B79-37D633B846F1}">
+                  <asvg:svgBlip xmlns:asvg="http://schemas.microsoft.com/office/drawing/2016/SVG/main" r:embed="rId7"/>
+                </a:ext>
+              </a:extLst>
+            </a:blip>
+            <a:stretch>
+              <a:fillRect l="0" t="0" r="0" b="0"/>
+            </a:stretch>
+          </a:blipFill>
+          <a:ln cap="sq">
+            <a:noFill/>
+            <a:prstDash val="solid"/>
+            <a:miter/>
+          </a:ln>
+        </p:spPr>
+      </p:sp>
+      <p:sp>
+        <p:nvSpPr>
+          <p:cNvPr name="Freeform 5" id="5"/>
+          <p:cNvSpPr/>
+          <p:nvPr/>
+        </p:nvSpPr>
+        <p:spPr>
+          <a:xfrm flipH="false" flipV="false" rot="0">
+            <a:off x="-674156" y="-1072630"/>
+            <a:ext cx="4899948" cy="3068592"/>
+          </a:xfrm>
+          <a:custGeom>
+            <a:avLst/>
+            <a:gdLst/>
+            <a:ahLst/>
+            <a:cxnLst/>
+            <a:rect r="r" b="b" t="t" l="l"/>
+            <a:pathLst>
+              <a:path h="3068592" w="4899948">
+                <a:moveTo>
+                  <a:pt x="0" y="0"/>
+                </a:moveTo>
+                <a:lnTo>
+                  <a:pt x="4899948" y="0"/>
+                </a:lnTo>
+                <a:lnTo>
+                  <a:pt x="4899948" y="3068592"/>
+                </a:lnTo>
+                <a:lnTo>
+                  <a:pt x="0" y="3068592"/>
+                </a:lnTo>
+                <a:lnTo>
+                  <a:pt x="0" y="0"/>
+                </a:lnTo>
+                <a:close/>
+              </a:path>
+            </a:pathLst>
+          </a:custGeom>
+          <a:blipFill>
+            <a:blip r:embed="rId8">
+              <a:extLst>
+                <a:ext uri="{96DAC541-7B7A-43D3-8B79-37D633B846F1}">
+                  <asvg:svgBlip xmlns:asvg="http://schemas.microsoft.com/office/drawing/2016/SVG/main" r:embed="rId9"/>
+                </a:ext>
+              </a:extLst>
+            </a:blip>
+            <a:stretch>
+              <a:fillRect l="0" t="0" r="0" b="0"/>
+            </a:stretch>
+          </a:blipFill>
+          <a:ln cap="sq">
+            <a:noFill/>
+            <a:prstDash val="solid"/>
+            <a:miter/>
+          </a:ln>
+        </p:spPr>
+      </p:sp>
+      <p:sp>
+        <p:nvSpPr>
+          <p:cNvPr name="Freeform 6" id="6"/>
+          <p:cNvSpPr/>
+          <p:nvPr/>
+        </p:nvSpPr>
+        <p:spPr>
+          <a:xfrm flipH="false" flipV="false" rot="0">
+            <a:off x="12686214" y="-2578193"/>
+            <a:ext cx="4292424" cy="3870986"/>
+          </a:xfrm>
+          <a:custGeom>
+            <a:avLst/>
+            <a:gdLst/>
+            <a:ahLst/>
+            <a:cxnLst/>
+            <a:rect r="r" b="b" t="t" l="l"/>
+            <a:pathLst>
+              <a:path h="3870986" w="4292424">
+                <a:moveTo>
+                  <a:pt x="0" y="0"/>
+                </a:moveTo>
+                <a:lnTo>
+                  <a:pt x="4292424" y="0"/>
+                </a:lnTo>
+                <a:lnTo>
+                  <a:pt x="4292424" y="3870986"/>
+                </a:lnTo>
+                <a:lnTo>
+                  <a:pt x="0" y="3870986"/>
+                </a:lnTo>
+                <a:lnTo>
+                  <a:pt x="0" y="0"/>
+                </a:lnTo>
+                <a:close/>
+              </a:path>
+            </a:pathLst>
+          </a:custGeom>
+          <a:blipFill>
+            <a:blip r:embed="rId10">
+              <a:extLst>
+                <a:ext uri="{96DAC541-7B7A-43D3-8B79-37D633B846F1}">
+                  <asvg:svgBlip xmlns:asvg="http://schemas.microsoft.com/office/drawing/2016/SVG/main" r:embed="rId11"/>
+                </a:ext>
+              </a:extLst>
+            </a:blip>
+            <a:stretch>
+              <a:fillRect l="0" t="0" r="0" b="0"/>
+            </a:stretch>
+          </a:blipFill>
+          <a:ln cap="sq">
+            <a:noFill/>
+            <a:prstDash val="solid"/>
+            <a:miter/>
+          </a:ln>
+        </p:spPr>
+      </p:sp>
+      <p:sp>
+        <p:nvSpPr>
+          <p:cNvPr name="Freeform 7" id="7"/>
+          <p:cNvSpPr/>
+          <p:nvPr/>
+        </p:nvSpPr>
+        <p:spPr>
+          <a:xfrm flipH="false" flipV="false" rot="0">
+            <a:off x="10138935" y="9258300"/>
+            <a:ext cx="4076270" cy="2863579"/>
+          </a:xfrm>
+          <a:custGeom>
+            <a:avLst/>
+            <a:gdLst/>
+            <a:ahLst/>
+            <a:cxnLst/>
+            <a:rect r="r" b="b" t="t" l="l"/>
+            <a:pathLst>
+              <a:path h="2863579" w="4076270">
+                <a:moveTo>
+                  <a:pt x="0" y="0"/>
+                </a:moveTo>
+                <a:lnTo>
+                  <a:pt x="4076270" y="0"/>
+                </a:lnTo>
+                <a:lnTo>
+                  <a:pt x="4076270" y="2863579"/>
+                </a:lnTo>
+                <a:lnTo>
+                  <a:pt x="0" y="2863579"/>
+                </a:lnTo>
+                <a:lnTo>
+                  <a:pt x="0" y="0"/>
+                </a:lnTo>
+                <a:close/>
+              </a:path>
+            </a:pathLst>
+          </a:custGeom>
+          <a:blipFill>
+            <a:blip r:embed="rId12">
+              <a:extLst>
+                <a:ext uri="{96DAC541-7B7A-43D3-8B79-37D633B846F1}">
+                  <asvg:svgBlip xmlns:asvg="http://schemas.microsoft.com/office/drawing/2016/SVG/main" r:embed="rId13"/>
+                </a:ext>
+              </a:extLst>
+            </a:blip>
+            <a:stretch>
+              <a:fillRect l="0" t="0" r="0" b="0"/>
+            </a:stretch>
+          </a:blipFill>
+          <a:ln cap="sq">
+            <a:noFill/>
+            <a:prstDash val="solid"/>
+            <a:miter/>
+          </a:ln>
+        </p:spPr>
+      </p:sp>
+      <p:sp>
+        <p:nvSpPr>
+          <p:cNvPr name="Freeform 8" id="8"/>
+          <p:cNvSpPr/>
+          <p:nvPr/>
+        </p:nvSpPr>
+        <p:spPr>
+          <a:xfrm flipH="false" flipV="false" rot="0">
+            <a:off x="7409323" y="-2700100"/>
+            <a:ext cx="5493058" cy="4114800"/>
+          </a:xfrm>
+          <a:custGeom>
+            <a:avLst/>
+            <a:gdLst/>
+            <a:ahLst/>
+            <a:cxnLst/>
+            <a:rect r="r" b="b" t="t" l="l"/>
+            <a:pathLst>
+              <a:path h="4114800" w="5493058">
+                <a:moveTo>
+                  <a:pt x="0" y="0"/>
+                </a:moveTo>
+                <a:lnTo>
+                  <a:pt x="5493058" y="0"/>
+                </a:lnTo>
+                <a:lnTo>
+                  <a:pt x="5493058" y="4114800"/>
+                </a:lnTo>
+                <a:lnTo>
+                  <a:pt x="0" y="4114800"/>
+                </a:lnTo>
+                <a:lnTo>
+                  <a:pt x="0" y="0"/>
+                </a:lnTo>
+                <a:close/>
+              </a:path>
+            </a:pathLst>
+          </a:custGeom>
+          <a:blipFill>
+            <a:blip r:embed="rId14">
+              <a:extLst>
+                <a:ext uri="{96DAC541-7B7A-43D3-8B79-37D633B846F1}">
+                  <asvg:svgBlip xmlns:asvg="http://schemas.microsoft.com/office/drawing/2016/SVG/main" r:embed="rId15"/>
+                </a:ext>
+              </a:extLst>
+            </a:blip>
+            <a:stretch>
+              <a:fillRect l="0" t="0" r="0" b="0"/>
+            </a:stretch>
+          </a:blipFill>
+          <a:ln cap="sq">
+            <a:noFill/>
+            <a:prstDash val="solid"/>
+            <a:miter/>
+          </a:ln>
+        </p:spPr>
+      </p:sp>
+      <p:sp>
+        <p:nvSpPr>
+          <p:cNvPr name="Freeform 9" id="9"/>
+          <p:cNvSpPr/>
+          <p:nvPr/>
+        </p:nvSpPr>
+        <p:spPr>
+          <a:xfrm flipH="false" flipV="false" rot="4747568">
+            <a:off x="-2972342" y="3665317"/>
+            <a:ext cx="4896097" cy="2735694"/>
+          </a:xfrm>
+          <a:custGeom>
+            <a:avLst/>
+            <a:gdLst/>
+            <a:ahLst/>
+            <a:cxnLst/>
+            <a:rect r="r" b="b" t="t" l="l"/>
+            <a:pathLst>
+              <a:path h="2735694" w="4896097">
+                <a:moveTo>
+                  <a:pt x="0" y="0"/>
+                </a:moveTo>
+                <a:lnTo>
+                  <a:pt x="4896097" y="0"/>
+                </a:lnTo>
+                <a:lnTo>
+                  <a:pt x="4896097" y="2735694"/>
+                </a:lnTo>
+                <a:lnTo>
+                  <a:pt x="0" y="2735694"/>
+                </a:lnTo>
+                <a:lnTo>
+                  <a:pt x="0" y="0"/>
+                </a:lnTo>
+                <a:close/>
+              </a:path>
+            </a:pathLst>
+          </a:custGeom>
+          <a:blipFill>
+            <a:blip r:embed="rId16">
+              <a:extLst>
+                <a:ext uri="{96DAC541-7B7A-43D3-8B79-37D633B846F1}">
+                  <asvg:svgBlip xmlns:asvg="http://schemas.microsoft.com/office/drawing/2016/SVG/main" r:embed="rId17"/>
+                </a:ext>
+              </a:extLst>
+            </a:blip>
+            <a:stretch>
+              <a:fillRect l="0" t="0" r="0" b="0"/>
+            </a:stretch>
+          </a:blipFill>
+          <a:ln cap="sq">
+            <a:noFill/>
+            <a:prstDash val="solid"/>
+            <a:miter/>
+          </a:ln>
+        </p:spPr>
+      </p:sp>
+      <p:sp>
+        <p:nvSpPr>
+          <p:cNvPr name="Freeform 10" id="10"/>
+          <p:cNvSpPr/>
+          <p:nvPr/>
+        </p:nvSpPr>
+        <p:spPr>
+          <a:xfrm flipH="false" flipV="false" rot="0">
+            <a:off x="4831481" y="-1626507"/>
+            <a:ext cx="2892762" cy="2919301"/>
+          </a:xfrm>
+          <a:custGeom>
+            <a:avLst/>
+            <a:gdLst/>
+            <a:ahLst/>
+            <a:cxnLst/>
+            <a:rect r="r" b="b" t="t" l="l"/>
+            <a:pathLst>
+              <a:path h="2919301" w="2892762">
+                <a:moveTo>
+                  <a:pt x="0" y="0"/>
+                </a:moveTo>
+                <a:lnTo>
+                  <a:pt x="2892761" y="0"/>
+                </a:lnTo>
+                <a:lnTo>
+                  <a:pt x="2892761" y="2919300"/>
+                </a:lnTo>
+                <a:lnTo>
+                  <a:pt x="0" y="2919300"/>
+                </a:lnTo>
+                <a:lnTo>
+                  <a:pt x="0" y="0"/>
+                </a:lnTo>
+                <a:close/>
+              </a:path>
+            </a:pathLst>
+          </a:custGeom>
+          <a:blipFill>
+            <a:blip r:embed="rId18">
+              <a:extLst>
+                <a:ext uri="{96DAC541-7B7A-43D3-8B79-37D633B846F1}">
+                  <asvg:svgBlip xmlns:asvg="http://schemas.microsoft.com/office/drawing/2016/SVG/main" r:embed="rId19"/>
+                </a:ext>
+              </a:extLst>
+            </a:blip>
+            <a:stretch>
+              <a:fillRect l="0" t="0" r="0" b="0"/>
+            </a:stretch>
+          </a:blipFill>
+          <a:ln cap="sq">
+            <a:noFill/>
+            <a:prstDash val="solid"/>
+            <a:miter/>
+          </a:ln>
+        </p:spPr>
+      </p:sp>
+      <p:sp>
+        <p:nvSpPr>
+          <p:cNvPr name="Freeform 11" id="11"/>
+          <p:cNvSpPr/>
+          <p:nvPr/>
+        </p:nvSpPr>
+        <p:spPr>
+          <a:xfrm flipH="false" flipV="false" rot="0">
+            <a:off x="17259300" y="2262342"/>
+            <a:ext cx="3575541" cy="3575541"/>
+          </a:xfrm>
+          <a:custGeom>
+            <a:avLst/>
+            <a:gdLst/>
+            <a:ahLst/>
+            <a:cxnLst/>
+            <a:rect r="r" b="b" t="t" l="l"/>
+            <a:pathLst>
+              <a:path h="3575541" w="3575541">
+                <a:moveTo>
+                  <a:pt x="0" y="0"/>
+                </a:moveTo>
+                <a:lnTo>
+                  <a:pt x="3575541" y="0"/>
+                </a:lnTo>
+                <a:lnTo>
+                  <a:pt x="3575541" y="3575541"/>
+                </a:lnTo>
+                <a:lnTo>
+                  <a:pt x="0" y="3575541"/>
+                </a:lnTo>
+                <a:lnTo>
+                  <a:pt x="0" y="0"/>
+                </a:lnTo>
+                <a:close/>
+              </a:path>
+            </a:pathLst>
+          </a:custGeom>
+          <a:blipFill>
+            <a:blip r:embed="rId20">
+              <a:extLst>
+                <a:ext uri="{96DAC541-7B7A-43D3-8B79-37D633B846F1}">
+                  <asvg:svgBlip xmlns:asvg="http://schemas.microsoft.com/office/drawing/2016/SVG/main" r:embed="rId21"/>
+                </a:ext>
+              </a:extLst>
+            </a:blip>
+            <a:stretch>
+              <a:fillRect l="0" t="0" r="0" b="0"/>
+            </a:stretch>
+          </a:blipFill>
+          <a:ln cap="sq">
+            <a:noFill/>
+            <a:prstDash val="solid"/>
+            <a:miter/>
+          </a:ln>
+        </p:spPr>
+      </p:sp>
+      <p:sp>
+        <p:nvSpPr>
+          <p:cNvPr name="Freeform 12" id="12"/>
+          <p:cNvSpPr/>
+          <p:nvPr/>
+        </p:nvSpPr>
+        <p:spPr>
+          <a:xfrm flipH="false" flipV="false" rot="0">
+            <a:off x="2570549" y="9093737"/>
+            <a:ext cx="2587020" cy="2386526"/>
+          </a:xfrm>
+          <a:custGeom>
+            <a:avLst/>
+            <a:gdLst/>
+            <a:ahLst/>
+            <a:cxnLst/>
+            <a:rect r="r" b="b" t="t" l="l"/>
+            <a:pathLst>
+              <a:path h="2386526" w="2587020">
+                <a:moveTo>
+                  <a:pt x="0" y="0"/>
+                </a:moveTo>
+                <a:lnTo>
+                  <a:pt x="2587020" y="0"/>
+                </a:lnTo>
+                <a:lnTo>
+                  <a:pt x="2587020" y="2386526"/>
+                </a:lnTo>
+                <a:lnTo>
+                  <a:pt x="0" y="2386526"/>
+                </a:lnTo>
+                <a:lnTo>
+                  <a:pt x="0" y="0"/>
+                </a:lnTo>
+                <a:close/>
+              </a:path>
+            </a:pathLst>
+          </a:custGeom>
+          <a:blipFill>
+            <a:blip r:embed="rId22">
+              <a:extLst>
+                <a:ext uri="{96DAC541-7B7A-43D3-8B79-37D633B846F1}">
+                  <asvg:svgBlip xmlns:asvg="http://schemas.microsoft.com/office/drawing/2016/SVG/main" r:embed="rId23"/>
+                </a:ext>
+              </a:extLst>
+            </a:blip>
+            <a:stretch>
+              <a:fillRect l="0" t="0" r="0" b="0"/>
+            </a:stretch>
+          </a:blipFill>
+          <a:ln cap="sq">
+            <a:noFill/>
+            <a:prstDash val="solid"/>
+            <a:miter/>
+          </a:ln>
+        </p:spPr>
+      </p:sp>
+      <p:sp>
+        <p:nvSpPr>
+          <p:cNvPr name="Freeform 13" id="13"/>
+          <p:cNvSpPr/>
+          <p:nvPr/>
+        </p:nvSpPr>
+        <p:spPr>
+          <a:xfrm flipH="false" flipV="false" rot="-5282649">
+            <a:off x="16440369" y="6970869"/>
+            <a:ext cx="3382987" cy="1154444"/>
+          </a:xfrm>
+          <a:custGeom>
+            <a:avLst/>
+            <a:gdLst/>
+            <a:ahLst/>
+            <a:cxnLst/>
+            <a:rect r="r" b="b" t="t" l="l"/>
+            <a:pathLst>
+              <a:path h="1154444" w="3382987">
+                <a:moveTo>
+                  <a:pt x="0" y="0"/>
+                </a:moveTo>
+                <a:lnTo>
+                  <a:pt x="3382987" y="0"/>
+                </a:lnTo>
+                <a:lnTo>
+                  <a:pt x="3382987" y="1154445"/>
+                </a:lnTo>
+                <a:lnTo>
+                  <a:pt x="0" y="1154445"/>
+                </a:lnTo>
+                <a:lnTo>
+                  <a:pt x="0" y="0"/>
+                </a:lnTo>
+                <a:close/>
+              </a:path>
+            </a:pathLst>
+          </a:custGeom>
+          <a:blipFill>
+            <a:blip r:embed="rId24">
+              <a:extLst>
+                <a:ext uri="{96DAC541-7B7A-43D3-8B79-37D633B846F1}">
+                  <asvg:svgBlip xmlns:asvg="http://schemas.microsoft.com/office/drawing/2016/SVG/main" r:embed="rId25"/>
+                </a:ext>
+              </a:extLst>
+            </a:blip>
+            <a:stretch>
+              <a:fillRect l="0" t="0" r="0" b="0"/>
+            </a:stretch>
+          </a:blipFill>
+          <a:ln cap="sq">
+            <a:noFill/>
+            <a:prstDash val="solid"/>
+            <a:miter/>
+          </a:ln>
+        </p:spPr>
+      </p:sp>
+      <p:sp>
+        <p:nvSpPr>
+          <p:cNvPr name="Freeform 14" id="14"/>
+          <p:cNvSpPr/>
+          <p:nvPr/>
+        </p:nvSpPr>
+        <p:spPr>
+          <a:xfrm flipH="false" flipV="false" rot="0">
+            <a:off x="16978638" y="-642644"/>
+            <a:ext cx="3104522" cy="3342688"/>
+          </a:xfrm>
+          <a:custGeom>
+            <a:avLst/>
+            <a:gdLst/>
+            <a:ahLst/>
+            <a:cxnLst/>
+            <a:rect r="r" b="b" t="t" l="l"/>
+            <a:pathLst>
+              <a:path h="3342688" w="3104522">
+                <a:moveTo>
+                  <a:pt x="0" y="0"/>
+                </a:moveTo>
+                <a:lnTo>
+                  <a:pt x="3104522" y="0"/>
+                </a:lnTo>
+                <a:lnTo>
+                  <a:pt x="3104522" y="3342688"/>
+                </a:lnTo>
+                <a:lnTo>
+                  <a:pt x="0" y="3342688"/>
+                </a:lnTo>
+                <a:lnTo>
+                  <a:pt x="0" y="0"/>
+                </a:lnTo>
+                <a:close/>
+              </a:path>
+            </a:pathLst>
+          </a:custGeom>
+          <a:blipFill>
+            <a:blip r:embed="rId26">
+              <a:extLst>
+                <a:ext uri="{96DAC541-7B7A-43D3-8B79-37D633B846F1}">
+                  <asvg:svgBlip xmlns:asvg="http://schemas.microsoft.com/office/drawing/2016/SVG/main" r:embed="rId27"/>
+                </a:ext>
+              </a:extLst>
+            </a:blip>
+            <a:stretch>
+              <a:fillRect l="0" t="0" r="0" b="0"/>
+            </a:stretch>
+          </a:blipFill>
+          <a:ln cap="sq">
+            <a:noFill/>
+            <a:prstDash val="solid"/>
+            <a:miter/>
+          </a:ln>
+        </p:spPr>
+      </p:sp>
+      <p:sp>
+        <p:nvSpPr>
+          <p:cNvPr name="TextBox 15" id="15"/>
+          <p:cNvSpPr txBox="true"/>
+          <p:nvPr/>
+        </p:nvSpPr>
+        <p:spPr>
+          <a:xfrm rot="0">
+            <a:off x="3688802" y="1700450"/>
+            <a:ext cx="10910396" cy="2026151"/>
+          </a:xfrm>
+          <a:prstGeom prst="rect">
+            <a:avLst/>
+          </a:prstGeom>
+        </p:spPr>
+        <p:txBody>
+          <a:bodyPr anchor="t" rtlCol="false" tIns="0" lIns="0" bIns="0" rIns="0">
+            <a:spAutoFit/>
+          </a:bodyPr>
+          <a:lstStyle/>
+          <a:p>
+            <a:pPr algn="ctr">
+              <a:lnSpc>
+                <a:spcPts val="7655"/>
+              </a:lnSpc>
+            </a:pPr>
+            <a:r>
+              <a:rPr lang="en-US" b="true" sz="8799">
+                <a:solidFill>
+                  <a:srgbClr val="000000"/>
+                </a:solidFill>
+                <a:latin typeface="DM Sans Bold"/>
+                <a:ea typeface="DM Sans Bold"/>
+                <a:cs typeface="DM Sans Bold"/>
+                <a:sym typeface="DM Sans Bold"/>
+              </a:rPr>
+              <a:t>История разработки бота</a:t>
+            </a:r>
+          </a:p>
+        </p:txBody>
+      </p:sp>
+      <p:sp>
+        <p:nvSpPr>
+          <p:cNvPr name="TextBox 16" id="16"/>
+          <p:cNvSpPr txBox="true"/>
+          <p:nvPr/>
+        </p:nvSpPr>
+        <p:spPr>
+          <a:xfrm rot="0">
+            <a:off x="2834209" y="4539844"/>
+            <a:ext cx="12619582" cy="3469006"/>
+          </a:xfrm>
+          <a:prstGeom prst="rect">
+            <a:avLst/>
+          </a:prstGeom>
+        </p:spPr>
+        <p:txBody>
+          <a:bodyPr anchor="t" rtlCol="false" tIns="0" lIns="0" bIns="0" rIns="0">
+            <a:spAutoFit/>
+          </a:bodyPr>
+          <a:lstStyle/>
+          <a:p>
+            <a:pPr algn="ctr" marL="0" indent="0" lvl="0">
+              <a:lnSpc>
+                <a:spcPts val="4589"/>
+              </a:lnSpc>
+              <a:spcBef>
+                <a:spcPct val="0"/>
+              </a:spcBef>
+            </a:pPr>
+            <a:r>
+              <a:rPr lang="en-US" sz="3399" spc="203">
+                <a:solidFill>
+                  <a:srgbClr val="000000"/>
+                </a:solidFill>
+                <a:latin typeface="DM Sans"/>
+                <a:ea typeface="DM Sans"/>
+                <a:cs typeface="DM Sans"/>
+                <a:sym typeface="DM Sans"/>
+              </a:rPr>
+              <a:t>Разработка Telegram-бота началась с выбора библиотеки для работы с Telegram API. Первоначально мы рассматривали Aiogram, но из-за необходимости упрощённого подхода и отсутствия асинхронных задач было решено использовать Telebot.</a:t>
+            </a:r>
+          </a:p>
+        </p:txBody>
+      </p:sp>
+    </p:spTree>
+  </p:cSld>
+  <p:clrMapOvr>
+    <a:masterClrMapping/>
+  </p:clrMapOvr>
+</p:sld>
+</file>
+
+<file path=ppt/slides/slide5.xml><?xml version="1.0" encoding="utf-8"?>
+<p:sld xmlns:p="http://schemas.openxmlformats.org/presentationml/2006/main" xmlns:a="http://schemas.openxmlformats.org/drawingml/2006/main" xmlns:r="http://schemas.openxmlformats.org/officeDocument/2006/relationships">
+  <p:cSld>
+    <p:bg>
+      <p:bgPr>
+        <a:solidFill>
+          <a:srgbClr val="F1F1F1"/>
+        </a:solidFill>
+      </p:bgPr>
+    </p:bg>
+    <p:spTree>
+      <p:nvGrpSpPr>
+        <p:cNvPr id="1" name=""/>
+        <p:cNvGrpSpPr/>
+        <p:nvPr/>
+      </p:nvGrpSpPr>
+      <p:grpSpPr>
+        <a:xfrm>
+          <a:off x="0" y="0"/>
+          <a:ext cx="0" cy="0"/>
+          <a:chOff x="0" y="0"/>
+          <a:chExt cx="0" cy="0"/>
+        </a:xfrm>
+      </p:grpSpPr>
+      <p:sp>
+        <p:nvSpPr>
+          <p:cNvPr name="Freeform 2" id="2"/>
+          <p:cNvSpPr/>
+          <p:nvPr/>
+        </p:nvSpPr>
+        <p:spPr>
+          <a:xfrm flipH="false" flipV="false" rot="0">
+            <a:off x="13311752" y="2063153"/>
+            <a:ext cx="3032484" cy="6646539"/>
+          </a:xfrm>
+          <a:custGeom>
+            <a:avLst/>
+            <a:gdLst/>
+            <a:ahLst/>
+            <a:cxnLst/>
+            <a:rect r="r" b="b" t="t" l="l"/>
+            <a:pathLst>
+              <a:path h="6646539" w="3032484">
+                <a:moveTo>
+                  <a:pt x="0" y="0"/>
+                </a:moveTo>
+                <a:lnTo>
+                  <a:pt x="3032483" y="0"/>
+                </a:lnTo>
+                <a:lnTo>
+                  <a:pt x="3032483" y="6646539"/>
+                </a:lnTo>
+                <a:lnTo>
+                  <a:pt x="0" y="6646539"/>
+                </a:lnTo>
+                <a:lnTo>
+                  <a:pt x="0" y="0"/>
+                </a:lnTo>
+                <a:close/>
+              </a:path>
+            </a:pathLst>
+          </a:custGeom>
+          <a:blipFill>
+            <a:blip r:embed="rId2">
+              <a:extLst>
+                <a:ext uri="{96DAC541-7B7A-43D3-8B79-37D633B846F1}">
+                  <asvg:svgBlip xmlns:asvg="http://schemas.microsoft.com/office/drawing/2016/SVG/main" r:embed="rId3"/>
+                </a:ext>
+              </a:extLst>
+            </a:blip>
+            <a:stretch>
+              <a:fillRect l="0" t="0" r="0" b="0"/>
+            </a:stretch>
+          </a:blipFill>
+        </p:spPr>
+      </p:sp>
+      <p:sp>
+        <p:nvSpPr>
+          <p:cNvPr name="Freeform 3" id="3"/>
+          <p:cNvSpPr/>
+          <p:nvPr/>
+        </p:nvSpPr>
+        <p:spPr>
+          <a:xfrm flipH="false" flipV="false" rot="-10800000">
+            <a:off x="14827993" y="-1392447"/>
+            <a:ext cx="4017146" cy="3158481"/>
+          </a:xfrm>
+          <a:custGeom>
+            <a:avLst/>
+            <a:gdLst/>
+            <a:ahLst/>
+            <a:cxnLst/>
+            <a:rect r="r" b="b" t="t" l="l"/>
+            <a:pathLst>
+              <a:path h="3158481" w="4017146">
+                <a:moveTo>
+                  <a:pt x="0" y="0"/>
+                </a:moveTo>
+                <a:lnTo>
+                  <a:pt x="4017147" y="0"/>
+                </a:lnTo>
+                <a:lnTo>
+                  <a:pt x="4017147" y="3158481"/>
+                </a:lnTo>
+                <a:lnTo>
+                  <a:pt x="0" y="3158481"/>
+                </a:lnTo>
+                <a:lnTo>
+                  <a:pt x="0" y="0"/>
+                </a:lnTo>
+                <a:close/>
+              </a:path>
+            </a:pathLst>
+          </a:custGeom>
+          <a:blipFill>
+            <a:blip r:embed="rId4">
+              <a:extLst>
+                <a:ext uri="{96DAC541-7B7A-43D3-8B79-37D633B846F1}">
+                  <asvg:svgBlip xmlns:asvg="http://schemas.microsoft.com/office/drawing/2016/SVG/main" r:embed="rId5"/>
+                </a:ext>
+              </a:extLst>
+            </a:blip>
+            <a:stretch>
+              <a:fillRect l="0" t="0" r="0" b="0"/>
+            </a:stretch>
+          </a:blipFill>
+          <a:ln cap="sq">
+            <a:noFill/>
+            <a:prstDash val="solid"/>
+            <a:miter/>
+          </a:ln>
+        </p:spPr>
+      </p:sp>
+      <p:sp>
+        <p:nvSpPr>
+          <p:cNvPr name="Freeform 4" id="4"/>
+          <p:cNvSpPr/>
+          <p:nvPr/>
+        </p:nvSpPr>
+        <p:spPr>
+          <a:xfrm flipH="false" flipV="false" rot="0">
+            <a:off x="4580296" y="-1616873"/>
+            <a:ext cx="4224468" cy="2645573"/>
+          </a:xfrm>
+          <a:custGeom>
+            <a:avLst/>
+            <a:gdLst/>
+            <a:ahLst/>
+            <a:cxnLst/>
+            <a:rect r="r" b="b" t="t" l="l"/>
+            <a:pathLst>
+              <a:path h="2645573" w="4224468">
+                <a:moveTo>
+                  <a:pt x="0" y="0"/>
+                </a:moveTo>
+                <a:lnTo>
+                  <a:pt x="4224469" y="0"/>
+                </a:lnTo>
+                <a:lnTo>
+                  <a:pt x="4224469" y="2645573"/>
+                </a:lnTo>
+                <a:lnTo>
+                  <a:pt x="0" y="2645573"/>
+                </a:lnTo>
+                <a:lnTo>
+                  <a:pt x="0" y="0"/>
+                </a:lnTo>
+                <a:close/>
+              </a:path>
+            </a:pathLst>
+          </a:custGeom>
+          <a:blipFill>
+            <a:blip r:embed="rId6">
+              <a:extLst>
+                <a:ext uri="{96DAC541-7B7A-43D3-8B79-37D633B846F1}">
+                  <asvg:svgBlip xmlns:asvg="http://schemas.microsoft.com/office/drawing/2016/SVG/main" r:embed="rId7"/>
+                </a:ext>
+              </a:extLst>
+            </a:blip>
+            <a:stretch>
+              <a:fillRect l="0" t="0" r="0" b="0"/>
+            </a:stretch>
+          </a:blipFill>
+          <a:ln cap="sq">
+            <a:noFill/>
+            <a:prstDash val="solid"/>
+            <a:miter/>
+          </a:ln>
+        </p:spPr>
+      </p:sp>
+      <p:sp>
+        <p:nvSpPr>
+          <p:cNvPr name="Freeform 5" id="5"/>
+          <p:cNvSpPr/>
+          <p:nvPr/>
+        </p:nvSpPr>
+        <p:spPr>
+          <a:xfrm flipH="false" flipV="false" rot="0">
+            <a:off x="8285780" y="9560661"/>
+            <a:ext cx="3169280" cy="2226419"/>
+          </a:xfrm>
+          <a:custGeom>
+            <a:avLst/>
+            <a:gdLst/>
+            <a:ahLst/>
+            <a:cxnLst/>
+            <a:rect r="r" b="b" t="t" l="l"/>
+            <a:pathLst>
+              <a:path h="2226419" w="3169280">
+                <a:moveTo>
+                  <a:pt x="0" y="0"/>
+                </a:moveTo>
+                <a:lnTo>
+                  <a:pt x="3169280" y="0"/>
+                </a:lnTo>
+                <a:lnTo>
+                  <a:pt x="3169280" y="2226419"/>
+                </a:lnTo>
+                <a:lnTo>
+                  <a:pt x="0" y="2226419"/>
+                </a:lnTo>
+                <a:lnTo>
+                  <a:pt x="0" y="0"/>
+                </a:lnTo>
+                <a:close/>
+              </a:path>
+            </a:pathLst>
+          </a:custGeom>
+          <a:blipFill>
+            <a:blip r:embed="rId8">
+              <a:extLst>
+                <a:ext uri="{96DAC541-7B7A-43D3-8B79-37D633B846F1}">
+                  <asvg:svgBlip xmlns:asvg="http://schemas.microsoft.com/office/drawing/2016/SVG/main" r:embed="rId9"/>
+                </a:ext>
+              </a:extLst>
+            </a:blip>
+            <a:stretch>
+              <a:fillRect l="0" t="0" r="0" b="0"/>
+            </a:stretch>
+          </a:blipFill>
+          <a:ln cap="sq">
+            <a:noFill/>
+            <a:prstDash val="solid"/>
+            <a:miter/>
+          </a:ln>
+        </p:spPr>
+      </p:sp>
+      <p:sp>
+        <p:nvSpPr>
+          <p:cNvPr name="Freeform 6" id="6"/>
+          <p:cNvSpPr/>
+          <p:nvPr/>
+        </p:nvSpPr>
+        <p:spPr>
+          <a:xfrm flipH="false" flipV="false" rot="-5400000">
+            <a:off x="12134412" y="9245030"/>
+            <a:ext cx="2892762" cy="2919301"/>
+          </a:xfrm>
+          <a:custGeom>
+            <a:avLst/>
+            <a:gdLst/>
+            <a:ahLst/>
+            <a:cxnLst/>
+            <a:rect r="r" b="b" t="t" l="l"/>
+            <a:pathLst>
+              <a:path h="2919301" w="2892762">
+                <a:moveTo>
+                  <a:pt x="0" y="0"/>
+                </a:moveTo>
+                <a:lnTo>
+                  <a:pt x="2892762" y="0"/>
+                </a:lnTo>
+                <a:lnTo>
+                  <a:pt x="2892762" y="2919301"/>
+                </a:lnTo>
+                <a:lnTo>
+                  <a:pt x="0" y="2919301"/>
+                </a:lnTo>
+                <a:lnTo>
+                  <a:pt x="0" y="0"/>
+                </a:lnTo>
+                <a:close/>
+              </a:path>
+            </a:pathLst>
+          </a:custGeom>
+          <a:blipFill>
+            <a:blip r:embed="rId10">
+              <a:extLst>
+                <a:ext uri="{96DAC541-7B7A-43D3-8B79-37D633B846F1}">
+                  <asvg:svgBlip xmlns:asvg="http://schemas.microsoft.com/office/drawing/2016/SVG/main" r:embed="rId11"/>
+                </a:ext>
+              </a:extLst>
+            </a:blip>
+            <a:stretch>
+              <a:fillRect l="0" t="0" r="0" b="0"/>
+            </a:stretch>
+          </a:blipFill>
+          <a:ln cap="sq">
+            <a:noFill/>
+            <a:prstDash val="solid"/>
+            <a:miter/>
+          </a:ln>
+        </p:spPr>
+      </p:sp>
+      <p:sp>
+        <p:nvSpPr>
+          <p:cNvPr name="Freeform 7" id="7"/>
+          <p:cNvSpPr/>
+          <p:nvPr/>
+        </p:nvSpPr>
+        <p:spPr>
+          <a:xfrm flipH="false" flipV="false" rot="0">
+            <a:off x="-1558320" y="9093737"/>
+            <a:ext cx="2587020" cy="2386526"/>
+          </a:xfrm>
+          <a:custGeom>
+            <a:avLst/>
+            <a:gdLst/>
+            <a:ahLst/>
+            <a:cxnLst/>
+            <a:rect r="r" b="b" t="t" l="l"/>
+            <a:pathLst>
+              <a:path h="2386526" w="2587020">
+                <a:moveTo>
+                  <a:pt x="0" y="0"/>
+                </a:moveTo>
+                <a:lnTo>
+                  <a:pt x="2587020" y="0"/>
+                </a:lnTo>
+                <a:lnTo>
+                  <a:pt x="2587020" y="2386526"/>
+                </a:lnTo>
+                <a:lnTo>
+                  <a:pt x="0" y="2386526"/>
+                </a:lnTo>
+                <a:lnTo>
+                  <a:pt x="0" y="0"/>
+                </a:lnTo>
+                <a:close/>
+              </a:path>
+            </a:pathLst>
+          </a:custGeom>
+          <a:blipFill>
+            <a:blip r:embed="rId12">
+              <a:extLst>
+                <a:ext uri="{96DAC541-7B7A-43D3-8B79-37D633B846F1}">
+                  <asvg:svgBlip xmlns:asvg="http://schemas.microsoft.com/office/drawing/2016/SVG/main" r:embed="rId13"/>
+                </a:ext>
+              </a:extLst>
+            </a:blip>
+            <a:stretch>
+              <a:fillRect l="0" t="0" r="0" b="0"/>
+            </a:stretch>
+          </a:blipFill>
+          <a:ln cap="sq">
+            <a:noFill/>
+            <a:prstDash val="solid"/>
+            <a:miter/>
+          </a:ln>
+        </p:spPr>
+      </p:sp>
+      <p:sp>
+        <p:nvSpPr>
+          <p:cNvPr name="Freeform 8" id="8"/>
+          <p:cNvSpPr/>
+          <p:nvPr/>
+        </p:nvSpPr>
+        <p:spPr>
+          <a:xfrm flipH="false" flipV="false" rot="0">
+            <a:off x="17259300" y="7433853"/>
+            <a:ext cx="1794966" cy="1932669"/>
+          </a:xfrm>
+          <a:custGeom>
+            <a:avLst/>
+            <a:gdLst/>
+            <a:ahLst/>
+            <a:cxnLst/>
+            <a:rect r="r" b="b" t="t" l="l"/>
+            <a:pathLst>
+              <a:path h="1932669" w="1794966">
+                <a:moveTo>
+                  <a:pt x="0" y="0"/>
+                </a:moveTo>
+                <a:lnTo>
+                  <a:pt x="1794966" y="0"/>
+                </a:lnTo>
+                <a:lnTo>
+                  <a:pt x="1794966" y="1932669"/>
+                </a:lnTo>
+                <a:lnTo>
+                  <a:pt x="0" y="1932669"/>
+                </a:lnTo>
+                <a:lnTo>
+                  <a:pt x="0" y="0"/>
+                </a:lnTo>
+                <a:close/>
+              </a:path>
+            </a:pathLst>
+          </a:custGeom>
+          <a:blipFill>
+            <a:blip r:embed="rId14">
+              <a:extLst>
+                <a:ext uri="{96DAC541-7B7A-43D3-8B79-37D633B846F1}">
+                  <asvg:svgBlip xmlns:asvg="http://schemas.microsoft.com/office/drawing/2016/SVG/main" r:embed="rId15"/>
+                </a:ext>
+              </a:extLst>
+            </a:blip>
+            <a:stretch>
+              <a:fillRect l="0" t="0" r="0" b="0"/>
+            </a:stretch>
+          </a:blipFill>
+          <a:ln cap="sq">
+            <a:noFill/>
+            <a:prstDash val="solid"/>
+            <a:miter/>
+          </a:ln>
+        </p:spPr>
+      </p:sp>
+      <p:sp>
+        <p:nvSpPr>
+          <p:cNvPr name="Freeform 9" id="9"/>
+          <p:cNvSpPr/>
+          <p:nvPr/>
+        </p:nvSpPr>
+        <p:spPr>
+          <a:xfrm flipH="false" flipV="false" rot="0">
+            <a:off x="-744232" y="460501"/>
+            <a:ext cx="1488463" cy="1602652"/>
+          </a:xfrm>
+          <a:custGeom>
+            <a:avLst/>
+            <a:gdLst/>
+            <a:ahLst/>
+            <a:cxnLst/>
+            <a:rect r="r" b="b" t="t" l="l"/>
+            <a:pathLst>
+              <a:path h="1602652" w="1488463">
+                <a:moveTo>
+                  <a:pt x="0" y="0"/>
+                </a:moveTo>
+                <a:lnTo>
+                  <a:pt x="1488464" y="0"/>
+                </a:lnTo>
+                <a:lnTo>
+                  <a:pt x="1488464" y="1602652"/>
+                </a:lnTo>
+                <a:lnTo>
+                  <a:pt x="0" y="1602652"/>
+                </a:lnTo>
+                <a:lnTo>
+                  <a:pt x="0" y="0"/>
+                </a:lnTo>
+                <a:close/>
+              </a:path>
+            </a:pathLst>
+          </a:custGeom>
+          <a:blipFill>
+            <a:blip r:embed="rId14">
+              <a:extLst>
+                <a:ext uri="{96DAC541-7B7A-43D3-8B79-37D633B846F1}">
+                  <asvg:svgBlip xmlns:asvg="http://schemas.microsoft.com/office/drawing/2016/SVG/main" r:embed="rId15"/>
+                </a:ext>
+              </a:extLst>
+            </a:blip>
+            <a:stretch>
+              <a:fillRect l="0" t="0" r="0" b="0"/>
+            </a:stretch>
+          </a:blipFill>
+          <a:ln cap="sq">
+            <a:noFill/>
+            <a:prstDash val="solid"/>
+            <a:miter/>
+          </a:ln>
+        </p:spPr>
+      </p:sp>
+      <p:sp>
+        <p:nvSpPr>
+          <p:cNvPr name="TextBox 10" id="10"/>
+          <p:cNvSpPr txBox="true"/>
+          <p:nvPr/>
+        </p:nvSpPr>
+        <p:spPr>
+          <a:xfrm rot="0">
+            <a:off x="1605399" y="4558283"/>
+            <a:ext cx="9078065" cy="4700017"/>
+          </a:xfrm>
+          <a:prstGeom prst="rect">
+            <a:avLst/>
+          </a:prstGeom>
+        </p:spPr>
+        <p:txBody>
+          <a:bodyPr anchor="t" rtlCol="false" tIns="0" lIns="0" bIns="0" rIns="0">
+            <a:spAutoFit/>
+          </a:bodyPr>
+          <a:lstStyle/>
+          <a:p>
+            <a:pPr algn="l" marL="474976" indent="-237488" lvl="1">
+              <a:lnSpc>
+                <a:spcPts val="3431"/>
+              </a:lnSpc>
+              <a:buFont typeface="Arial"/>
+              <a:buChar char="•"/>
+            </a:pPr>
+            <a:r>
+              <a:rPr lang="en-US" sz="2199">
+                <a:solidFill>
+                  <a:srgbClr val="000000"/>
+                </a:solidFill>
+                <a:latin typeface="DM Sans"/>
+                <a:ea typeface="DM Sans"/>
+                <a:cs typeface="DM Sans"/>
+                <a:sym typeface="DM Sans"/>
+              </a:rPr>
+              <a:t>В ходе разработки бота мы изучили работу с Telegram API и библиотекой Telebot, а также принципы создания интерактивных меню и отправки файлов.</a:t>
+            </a:r>
+          </a:p>
+          <a:p>
+            <a:pPr algn="l" marL="474976" indent="-237488" lvl="1">
+              <a:lnSpc>
+                <a:spcPts val="3431"/>
+              </a:lnSpc>
+              <a:buFont typeface="Arial"/>
+              <a:buChar char="•"/>
+            </a:pPr>
+            <a:r>
+              <a:rPr lang="en-US" sz="2199">
+                <a:solidFill>
+                  <a:srgbClr val="000000"/>
+                </a:solidFill>
+                <a:latin typeface="DM Sans"/>
+                <a:ea typeface="DM Sans"/>
+                <a:cs typeface="DM Sans"/>
+                <a:sym typeface="DM Sans"/>
+              </a:rPr>
+              <a:t>Для решения возникающих проблем и оптимизации кода использовались следующие ресурсы:</a:t>
+            </a:r>
+          </a:p>
+          <a:p>
+            <a:pPr algn="l" marL="474976" indent="-237488" lvl="1">
+              <a:lnSpc>
+                <a:spcPts val="3431"/>
+              </a:lnSpc>
+              <a:buAutoNum type="arabicPeriod" startAt="1"/>
+            </a:pPr>
+            <a:r>
+              <a:rPr lang="en-US" sz="2199">
+                <a:solidFill>
+                  <a:srgbClr val="000000"/>
+                </a:solidFill>
+                <a:latin typeface="DM Sans"/>
+                <a:ea typeface="DM Sans"/>
+                <a:cs typeface="DM Sans"/>
+                <a:sym typeface="DM Sans"/>
+              </a:rPr>
+              <a:t>Официальная документация Telebot (https://github.com/eternnoir/pyTelegramBotAPI)</a:t>
+            </a:r>
+          </a:p>
+          <a:p>
+            <a:pPr algn="l" marL="474976" indent="-237488" lvl="1">
+              <a:lnSpc>
+                <a:spcPts val="3431"/>
+              </a:lnSpc>
+              <a:buAutoNum type="arabicPeriod" startAt="1"/>
+            </a:pPr>
+            <a:r>
+              <a:rPr lang="en-US" sz="2199">
+                <a:solidFill>
+                  <a:srgbClr val="000000"/>
+                </a:solidFill>
+                <a:latin typeface="DM Sans"/>
+                <a:ea typeface="DM Sans"/>
+                <a:cs typeface="DM Sans"/>
+                <a:sym typeface="DM Sans"/>
+              </a:rPr>
+              <a:t>Форумы разработчиков (Stack Overflow, Telegram Developer Community)</a:t>
+            </a:r>
+          </a:p>
+          <a:p>
+            <a:pPr algn="l" marL="474976" indent="-237488" lvl="1">
+              <a:lnSpc>
+                <a:spcPts val="3431"/>
+              </a:lnSpc>
+              <a:buAutoNum type="arabicPeriod" startAt="1"/>
+            </a:pPr>
+            <a:r>
+              <a:rPr lang="en-US" sz="2199">
+                <a:solidFill>
+                  <a:srgbClr val="000000"/>
+                </a:solidFill>
+                <a:latin typeface="DM Sans"/>
+                <a:ea typeface="DM Sans"/>
+                <a:cs typeface="DM Sans"/>
+                <a:sym typeface="DM Sans"/>
+              </a:rPr>
+              <a:t>GitHub-репозитории с примерами кода</a:t>
+            </a:r>
+          </a:p>
+          <a:p>
+            <a:pPr algn="l">
+              <a:lnSpc>
+                <a:spcPts val="3431"/>
+              </a:lnSpc>
+              <a:spcBef>
+                <a:spcPct val="0"/>
+              </a:spcBef>
+            </a:pPr>
+            <a:r>
+              <a:rPr lang="en-US" sz="2199">
+                <a:solidFill>
+                  <a:srgbClr val="000000"/>
+                </a:solidFill>
+                <a:latin typeface="DM Sans"/>
+                <a:ea typeface="DM Sans"/>
+                <a:cs typeface="DM Sans"/>
+                <a:sym typeface="DM Sans"/>
+              </a:rPr>
+              <a:t>Лекции и статьи по Python и Telegram-ботам</a:t>
+            </a:r>
+          </a:p>
+        </p:txBody>
+      </p:sp>
+      <p:sp>
+        <p:nvSpPr>
+          <p:cNvPr name="TextBox 11" id="11"/>
+          <p:cNvSpPr txBox="true"/>
+          <p:nvPr/>
+        </p:nvSpPr>
+        <p:spPr>
+          <a:xfrm rot="0">
+            <a:off x="1605399" y="1209675"/>
+            <a:ext cx="12264787" cy="2904372"/>
+          </a:xfrm>
+          <a:prstGeom prst="rect">
+            <a:avLst/>
+          </a:prstGeom>
+        </p:spPr>
+        <p:txBody>
+          <a:bodyPr anchor="t" rtlCol="false" tIns="0" lIns="0" bIns="0" rIns="0">
+            <a:spAutoFit/>
+          </a:bodyPr>
+          <a:lstStyle/>
+          <a:p>
+            <a:pPr algn="l">
+              <a:lnSpc>
+                <a:spcPts val="7566"/>
+              </a:lnSpc>
+            </a:pPr>
+            <a:r>
+              <a:rPr lang="en-US" sz="7800" b="true">
+                <a:solidFill>
+                  <a:srgbClr val="000000"/>
+                </a:solidFill>
+                <a:latin typeface="DM Sans Bold"/>
+                <a:ea typeface="DM Sans Bold"/>
+                <a:cs typeface="DM Sans Bold"/>
+                <a:sym typeface="DM Sans Bold"/>
+              </a:rPr>
+              <a:t>Чему научились и какие источники помогли</a:t>
+            </a:r>
+          </a:p>
+        </p:txBody>
+      </p:sp>
+    </p:spTree>
+  </p:cSld>
+  <p:clrMapOvr>
+    <a:masterClrMapping/>
+  </p:clrMapOvr>
+</p:sld>
+</file>
+
+<file path=ppt/slides/slide6.xml><?xml version="1.0" encoding="utf-8"?>
 <p:sld xmlns:p="http://schemas.openxmlformats.org/presentationml/2006/main" xmlns:a="http://schemas.openxmlformats.org/drawingml/2006/main" xmlns:r="http://schemas.openxmlformats.org/officeDocument/2006/relationships">
   <p:cSld>
     <p:bg>
@@ -5185,8 +8081,8 @@
         </p:nvSpPr>
         <p:spPr>
           <a:xfrm rot="0">
-            <a:off x="12218908" y="7117899"/>
-            <a:ext cx="4132127" cy="944880"/>
+            <a:off x="12218908" y="7211241"/>
+            <a:ext cx="4132127" cy="468630"/>
           </a:xfrm>
           <a:prstGeom prst="rect">
             <a:avLst/>
@@ -5216,7 +8112,7 @@
                 <a:cs typeface="DM Sans"/>
                 <a:sym typeface="DM Sans"/>
               </a:rPr>
-              <a:t>Развёртывание: Локальный сервер – бот запускается на компьютере или сервере пользователя. Это удобно для тестирования и разработки.</a:t>
+              <a:t>Развёртывание: Локальный сервер – бот запускается на компьютере.</a:t>
             </a:r>
           </a:p>
         </p:txBody>
@@ -5452,7 +8348,7 @@
 </p:sld>
 </file>
 
-<file path=ppt/slides/slide4.xml><?xml version="1.0" encoding="utf-8"?>
+<file path=ppt/slides/slide7.xml><?xml version="1.0" encoding="utf-8"?>
 <p:sld xmlns:p="http://schemas.openxmlformats.org/presentationml/2006/main" xmlns:a="http://schemas.openxmlformats.org/drawingml/2006/main" xmlns:r="http://schemas.openxmlformats.org/officeDocument/2006/relationships">
   <p:cSld>
     <p:bg>
@@ -5769,7 +8665,7 @@
 </p:sld>
 </file>
 
-<file path=ppt/slides/slide5.xml><?xml version="1.0" encoding="utf-8"?>
+<file path=ppt/slides/slide8.xml><?xml version="1.0" encoding="utf-8"?>
 <p:sld xmlns:p="http://schemas.openxmlformats.org/presentationml/2006/main" xmlns:a="http://schemas.openxmlformats.org/drawingml/2006/main" xmlns:r="http://schemas.openxmlformats.org/officeDocument/2006/relationships">
   <p:cSld>
     <p:bg>
@@ -5967,144 +8863,6 @@
         </p:nvSpPr>
         <p:spPr>
           <a:xfrm flipH="false" flipV="false" rot="0">
-            <a:off x="5998441" y="1257858"/>
-            <a:ext cx="6291118" cy="3174849"/>
-          </a:xfrm>
-          <a:custGeom>
-            <a:avLst/>
-            <a:gdLst/>
-            <a:ahLst/>
-            <a:cxnLst/>
-            <a:rect r="r" b="b" t="t" l="l"/>
-            <a:pathLst>
-              <a:path h="3174849" w="6291118">
-                <a:moveTo>
-                  <a:pt x="0" y="0"/>
-                </a:moveTo>
-                <a:lnTo>
-                  <a:pt x="6291118" y="0"/>
-                </a:lnTo>
-                <a:lnTo>
-                  <a:pt x="6291118" y="3174849"/>
-                </a:lnTo>
-                <a:lnTo>
-                  <a:pt x="0" y="3174849"/>
-                </a:lnTo>
-                <a:lnTo>
-                  <a:pt x="0" y="0"/>
-                </a:lnTo>
-                <a:close/>
-              </a:path>
-            </a:pathLst>
-          </a:custGeom>
-          <a:blipFill>
-            <a:blip r:embed="rId8"/>
-            <a:stretch>
-              <a:fillRect l="-3111" t="0" r="-5704" b="0"/>
-            </a:stretch>
-          </a:blipFill>
-        </p:spPr>
-      </p:sp>
-      <p:sp>
-        <p:nvSpPr>
-          <p:cNvPr name="Freeform 6" id="6"/>
-          <p:cNvSpPr/>
-          <p:nvPr/>
-        </p:nvSpPr>
-        <p:spPr>
-          <a:xfrm flipH="false" flipV="false" rot="0">
-            <a:off x="10896170" y="4690773"/>
-            <a:ext cx="5898798" cy="4049175"/>
-          </a:xfrm>
-          <a:custGeom>
-            <a:avLst/>
-            <a:gdLst/>
-            <a:ahLst/>
-            <a:cxnLst/>
-            <a:rect r="r" b="b" t="t" l="l"/>
-            <a:pathLst>
-              <a:path h="4049175" w="5898798">
-                <a:moveTo>
-                  <a:pt x="0" y="0"/>
-                </a:moveTo>
-                <a:lnTo>
-                  <a:pt x="5898798" y="0"/>
-                </a:lnTo>
-                <a:lnTo>
-                  <a:pt x="5898798" y="4049175"/>
-                </a:lnTo>
-                <a:lnTo>
-                  <a:pt x="0" y="4049175"/>
-                </a:lnTo>
-                <a:lnTo>
-                  <a:pt x="0" y="0"/>
-                </a:lnTo>
-                <a:close/>
-              </a:path>
-            </a:pathLst>
-          </a:custGeom>
-          <a:blipFill>
-            <a:blip r:embed="rId9"/>
-            <a:stretch>
-              <a:fillRect l="0" t="0" r="0" b="0"/>
-            </a:stretch>
-          </a:blipFill>
-        </p:spPr>
-      </p:sp>
-      <p:sp>
-        <p:nvSpPr>
-          <p:cNvPr name="Freeform 7" id="7"/>
-          <p:cNvSpPr/>
-          <p:nvPr/>
-        </p:nvSpPr>
-        <p:spPr>
-          <a:xfrm flipH="false" flipV="false" rot="0">
-            <a:off x="1634200" y="4690773"/>
-            <a:ext cx="5898798" cy="4049175"/>
-          </a:xfrm>
-          <a:custGeom>
-            <a:avLst/>
-            <a:gdLst/>
-            <a:ahLst/>
-            <a:cxnLst/>
-            <a:rect r="r" b="b" t="t" l="l"/>
-            <a:pathLst>
-              <a:path h="4049175" w="5898798">
-                <a:moveTo>
-                  <a:pt x="0" y="0"/>
-                </a:moveTo>
-                <a:lnTo>
-                  <a:pt x="5898798" y="0"/>
-                </a:lnTo>
-                <a:lnTo>
-                  <a:pt x="5898798" y="4049175"/>
-                </a:lnTo>
-                <a:lnTo>
-                  <a:pt x="0" y="4049175"/>
-                </a:lnTo>
-                <a:lnTo>
-                  <a:pt x="0" y="0"/>
-                </a:lnTo>
-                <a:close/>
-              </a:path>
-            </a:pathLst>
-          </a:custGeom>
-          <a:blipFill>
-            <a:blip r:embed="rId10"/>
-            <a:stretch>
-              <a:fillRect l="-5717" t="0" r="-1030" b="0"/>
-            </a:stretch>
-          </a:blipFill>
-        </p:spPr>
-      </p:sp>
-      <p:sp>
-        <p:nvSpPr>
-          <p:cNvPr name="Freeform 8" id="8"/>
-          <p:cNvSpPr/>
-          <p:nvPr/>
-        </p:nvSpPr>
-        <p:spPr>
-          <a:xfrm flipH="false" flipV="false" rot="0">
             <a:off x="3319368" y="-2731394"/>
             <a:ext cx="4980952" cy="3731186"/>
           </a:xfrm>
@@ -6136,10 +8894,10 @@
             </a:pathLst>
           </a:custGeom>
           <a:blipFill>
-            <a:blip r:embed="rId11">
+            <a:blip r:embed="rId8">
               <a:extLst>
                 <a:ext uri="{96DAC541-7B7A-43D3-8B79-37D633B846F1}">
-                  <asvg:svgBlip xmlns:asvg="http://schemas.microsoft.com/office/drawing/2016/SVG/main" r:embed="rId12"/>
+                  <asvg:svgBlip xmlns:asvg="http://schemas.microsoft.com/office/drawing/2016/SVG/main" r:embed="rId9"/>
                 </a:ext>
               </a:extLst>
             </a:blip>
@@ -6156,7 +8914,7 @@
       </p:sp>
       <p:sp>
         <p:nvSpPr>
-          <p:cNvPr name="Freeform 9" id="9"/>
+          <p:cNvPr name="Freeform 6" id="6"/>
           <p:cNvSpPr/>
           <p:nvPr/>
         </p:nvSpPr>
@@ -6193,10 +8951,10 @@
             </a:pathLst>
           </a:custGeom>
           <a:blipFill>
-            <a:blip r:embed="rId11">
+            <a:blip r:embed="rId8">
               <a:extLst>
                 <a:ext uri="{96DAC541-7B7A-43D3-8B79-37D633B846F1}">
-                  <asvg:svgBlip xmlns:asvg="http://schemas.microsoft.com/office/drawing/2016/SVG/main" r:embed="rId12"/>
+                  <asvg:svgBlip xmlns:asvg="http://schemas.microsoft.com/office/drawing/2016/SVG/main" r:embed="rId9"/>
                 </a:ext>
               </a:extLst>
             </a:blip>
@@ -6213,7 +8971,7 @@
       </p:sp>
       <p:sp>
         <p:nvSpPr>
-          <p:cNvPr name="Freeform 10" id="10"/>
+          <p:cNvPr name="Freeform 7" id="7"/>
           <p:cNvSpPr/>
           <p:nvPr/>
         </p:nvSpPr>
@@ -6270,7 +9028,7 @@
       </p:sp>
       <p:sp>
         <p:nvSpPr>
-          <p:cNvPr name="Freeform 11" id="11"/>
+          <p:cNvPr name="Freeform 8" id="8"/>
           <p:cNvSpPr/>
           <p:nvPr/>
         </p:nvSpPr>
@@ -6325,6 +9083,144 @@
           </a:ln>
         </p:spPr>
       </p:sp>
+      <p:sp>
+        <p:nvSpPr>
+          <p:cNvPr name="Freeform 9" id="9"/>
+          <p:cNvSpPr/>
+          <p:nvPr/>
+        </p:nvSpPr>
+        <p:spPr>
+          <a:xfrm flipH="false" flipV="false" rot="0">
+            <a:off x="2217252" y="4623612"/>
+            <a:ext cx="4677752" cy="3545769"/>
+          </a:xfrm>
+          <a:custGeom>
+            <a:avLst/>
+            <a:gdLst/>
+            <a:ahLst/>
+            <a:cxnLst/>
+            <a:rect r="r" b="b" t="t" l="l"/>
+            <a:pathLst>
+              <a:path h="3545769" w="4677752">
+                <a:moveTo>
+                  <a:pt x="0" y="0"/>
+                </a:moveTo>
+                <a:lnTo>
+                  <a:pt x="4677752" y="0"/>
+                </a:lnTo>
+                <a:lnTo>
+                  <a:pt x="4677752" y="3545769"/>
+                </a:lnTo>
+                <a:lnTo>
+                  <a:pt x="0" y="3545769"/>
+                </a:lnTo>
+                <a:lnTo>
+                  <a:pt x="0" y="0"/>
+                </a:lnTo>
+                <a:close/>
+              </a:path>
+            </a:pathLst>
+          </a:custGeom>
+          <a:blipFill>
+            <a:blip r:embed="rId10"/>
+            <a:stretch>
+              <a:fillRect l="0" t="0" r="0" b="0"/>
+            </a:stretch>
+          </a:blipFill>
+        </p:spPr>
+      </p:sp>
+      <p:sp>
+        <p:nvSpPr>
+          <p:cNvPr name="Freeform 10" id="10"/>
+          <p:cNvSpPr/>
+          <p:nvPr/>
+        </p:nvSpPr>
+        <p:spPr>
+          <a:xfrm flipH="false" flipV="false" rot="0">
+            <a:off x="6074927" y="1553370"/>
+            <a:ext cx="6138147" cy="2517792"/>
+          </a:xfrm>
+          <a:custGeom>
+            <a:avLst/>
+            <a:gdLst/>
+            <a:ahLst/>
+            <a:cxnLst/>
+            <a:rect r="r" b="b" t="t" l="l"/>
+            <a:pathLst>
+              <a:path h="2517792" w="6138147">
+                <a:moveTo>
+                  <a:pt x="0" y="0"/>
+                </a:moveTo>
+                <a:lnTo>
+                  <a:pt x="6138146" y="0"/>
+                </a:lnTo>
+                <a:lnTo>
+                  <a:pt x="6138146" y="2517792"/>
+                </a:lnTo>
+                <a:lnTo>
+                  <a:pt x="0" y="2517792"/>
+                </a:lnTo>
+                <a:lnTo>
+                  <a:pt x="0" y="0"/>
+                </a:lnTo>
+                <a:close/>
+              </a:path>
+            </a:pathLst>
+          </a:custGeom>
+          <a:blipFill>
+            <a:blip r:embed="rId11"/>
+            <a:stretch>
+              <a:fillRect l="0" t="0" r="0" b="0"/>
+            </a:stretch>
+          </a:blipFill>
+        </p:spPr>
+      </p:sp>
+      <p:sp>
+        <p:nvSpPr>
+          <p:cNvPr name="Freeform 11" id="11"/>
+          <p:cNvSpPr/>
+          <p:nvPr/>
+        </p:nvSpPr>
+        <p:spPr>
+          <a:xfrm flipH="false" flipV="false" rot="0">
+            <a:off x="11481723" y="4624739"/>
+            <a:ext cx="4727692" cy="3545769"/>
+          </a:xfrm>
+          <a:custGeom>
+            <a:avLst/>
+            <a:gdLst/>
+            <a:ahLst/>
+            <a:cxnLst/>
+            <a:rect r="r" b="b" t="t" l="l"/>
+            <a:pathLst>
+              <a:path h="3545769" w="4727692">
+                <a:moveTo>
+                  <a:pt x="0" y="0"/>
+                </a:moveTo>
+                <a:lnTo>
+                  <a:pt x="4727692" y="0"/>
+                </a:lnTo>
+                <a:lnTo>
+                  <a:pt x="4727692" y="3545770"/>
+                </a:lnTo>
+                <a:lnTo>
+                  <a:pt x="0" y="3545770"/>
+                </a:lnTo>
+                <a:lnTo>
+                  <a:pt x="0" y="0"/>
+                </a:lnTo>
+                <a:close/>
+              </a:path>
+            </a:pathLst>
+          </a:custGeom>
+          <a:blipFill>
+            <a:blip r:embed="rId12"/>
+            <a:stretch>
+              <a:fillRect l="0" t="0" r="0" b="0"/>
+            </a:stretch>
+          </a:blipFill>
+        </p:spPr>
+      </p:sp>
     </p:spTree>
   </p:cSld>
   <p:clrMapOvr>
@@ -6333,7 +9229,7 @@
 </p:sld>
 </file>
 
-<file path=ppt/slides/slide6.xml><?xml version="1.0" encoding="utf-8"?>
+<file path=ppt/slides/slide9.xml><?xml version="1.0" encoding="utf-8"?>
 <p:sld xmlns:p="http://schemas.openxmlformats.org/presentationml/2006/main" xmlns:a="http://schemas.openxmlformats.org/drawingml/2006/main" xmlns:r="http://schemas.openxmlformats.org/officeDocument/2006/relationships">
   <p:cSld>
     <p:bg>
@@ -7679,810 +10575,6 @@
             <a:miter/>
           </a:ln>
         </p:spPr>
-      </p:sp>
-    </p:spTree>
-  </p:cSld>
-  <p:clrMapOvr>
-    <a:masterClrMapping/>
-  </p:clrMapOvr>
-</p:sld>
-</file>
-
-<file path=ppt/slides/slide7.xml><?xml version="1.0" encoding="utf-8"?>
-<p:sld xmlns:p="http://schemas.openxmlformats.org/presentationml/2006/main" xmlns:a="http://schemas.openxmlformats.org/drawingml/2006/main" xmlns:r="http://schemas.openxmlformats.org/officeDocument/2006/relationships">
-  <p:cSld>
-    <p:bg>
-      <p:bgPr>
-        <a:solidFill>
-          <a:srgbClr val="F1F1F1"/>
-        </a:solidFill>
-      </p:bgPr>
-    </p:bg>
-    <p:spTree>
-      <p:nvGrpSpPr>
-        <p:cNvPr id="1" name=""/>
-        <p:cNvGrpSpPr/>
-        <p:nvPr/>
-      </p:nvGrpSpPr>
-      <p:grpSpPr>
-        <a:xfrm>
-          <a:off x="0" y="0"/>
-          <a:ext cx="0" cy="0"/>
-          <a:chOff x="0" y="0"/>
-          <a:chExt cx="0" cy="0"/>
-        </a:xfrm>
-      </p:grpSpPr>
-      <p:sp>
-        <p:nvSpPr>
-          <p:cNvPr name="Freeform 2" id="2"/>
-          <p:cNvSpPr/>
-          <p:nvPr/>
-        </p:nvSpPr>
-        <p:spPr>
-          <a:xfrm flipH="false" flipV="false" rot="0">
-            <a:off x="-2329398" y="8614893"/>
-            <a:ext cx="4899948" cy="3344214"/>
-          </a:xfrm>
-          <a:custGeom>
-            <a:avLst/>
-            <a:gdLst/>
-            <a:ahLst/>
-            <a:cxnLst/>
-            <a:rect r="r" b="b" t="t" l="l"/>
-            <a:pathLst>
-              <a:path h="3344214" w="4899948">
-                <a:moveTo>
-                  <a:pt x="0" y="0"/>
-                </a:moveTo>
-                <a:lnTo>
-                  <a:pt x="4899947" y="0"/>
-                </a:lnTo>
-                <a:lnTo>
-                  <a:pt x="4899947" y="3344214"/>
-                </a:lnTo>
-                <a:lnTo>
-                  <a:pt x="0" y="3344214"/>
-                </a:lnTo>
-                <a:lnTo>
-                  <a:pt x="0" y="0"/>
-                </a:lnTo>
-                <a:close/>
-              </a:path>
-            </a:pathLst>
-          </a:custGeom>
-          <a:blipFill>
-            <a:blip r:embed="rId2">
-              <a:extLst>
-                <a:ext uri="{96DAC541-7B7A-43D3-8B79-37D633B846F1}">
-                  <asvg:svgBlip xmlns:asvg="http://schemas.microsoft.com/office/drawing/2016/SVG/main" r:embed="rId3"/>
-                </a:ext>
-              </a:extLst>
-            </a:blip>
-            <a:stretch>
-              <a:fillRect l="0" t="0" r="0" b="0"/>
-            </a:stretch>
-          </a:blipFill>
-        </p:spPr>
-      </p:sp>
-      <p:sp>
-        <p:nvSpPr>
-          <p:cNvPr name="Freeform 3" id="3"/>
-          <p:cNvSpPr/>
-          <p:nvPr/>
-        </p:nvSpPr>
-        <p:spPr>
-          <a:xfrm flipH="false" flipV="false" rot="0">
-            <a:off x="6030709" y="9258300"/>
-            <a:ext cx="3059829" cy="751049"/>
-          </a:xfrm>
-          <a:custGeom>
-            <a:avLst/>
-            <a:gdLst/>
-            <a:ahLst/>
-            <a:cxnLst/>
-            <a:rect r="r" b="b" t="t" l="l"/>
-            <a:pathLst>
-              <a:path h="751049" w="3059829">
-                <a:moveTo>
-                  <a:pt x="0" y="0"/>
-                </a:moveTo>
-                <a:lnTo>
-                  <a:pt x="3059829" y="0"/>
-                </a:lnTo>
-                <a:lnTo>
-                  <a:pt x="3059829" y="751049"/>
-                </a:lnTo>
-                <a:lnTo>
-                  <a:pt x="0" y="751049"/>
-                </a:lnTo>
-                <a:lnTo>
-                  <a:pt x="0" y="0"/>
-                </a:lnTo>
-                <a:close/>
-              </a:path>
-            </a:pathLst>
-          </a:custGeom>
-          <a:blipFill>
-            <a:blip r:embed="rId4">
-              <a:extLst>
-                <a:ext uri="{96DAC541-7B7A-43D3-8B79-37D633B846F1}">
-                  <asvg:svgBlip xmlns:asvg="http://schemas.microsoft.com/office/drawing/2016/SVG/main" r:embed="rId5"/>
-                </a:ext>
-              </a:extLst>
-            </a:blip>
-            <a:stretch>
-              <a:fillRect l="0" t="0" r="0" b="0"/>
-            </a:stretch>
-          </a:blipFill>
-        </p:spPr>
-      </p:sp>
-      <p:sp>
-        <p:nvSpPr>
-          <p:cNvPr name="Freeform 4" id="4"/>
-          <p:cNvSpPr/>
-          <p:nvPr/>
-        </p:nvSpPr>
-        <p:spPr>
-          <a:xfrm flipH="false" flipV="false" rot="0">
-            <a:off x="14215205" y="8540136"/>
-            <a:ext cx="4602314" cy="3618569"/>
-          </a:xfrm>
-          <a:custGeom>
-            <a:avLst/>
-            <a:gdLst/>
-            <a:ahLst/>
-            <a:cxnLst/>
-            <a:rect r="r" b="b" t="t" l="l"/>
-            <a:pathLst>
-              <a:path h="3618569" w="4602314">
-                <a:moveTo>
-                  <a:pt x="0" y="0"/>
-                </a:moveTo>
-                <a:lnTo>
-                  <a:pt x="4602314" y="0"/>
-                </a:lnTo>
-                <a:lnTo>
-                  <a:pt x="4602314" y="3618570"/>
-                </a:lnTo>
-                <a:lnTo>
-                  <a:pt x="0" y="3618570"/>
-                </a:lnTo>
-                <a:lnTo>
-                  <a:pt x="0" y="0"/>
-                </a:lnTo>
-                <a:close/>
-              </a:path>
-            </a:pathLst>
-          </a:custGeom>
-          <a:blipFill>
-            <a:blip r:embed="rId6">
-              <a:extLst>
-                <a:ext uri="{96DAC541-7B7A-43D3-8B79-37D633B846F1}">
-                  <asvg:svgBlip xmlns:asvg="http://schemas.microsoft.com/office/drawing/2016/SVG/main" r:embed="rId7"/>
-                </a:ext>
-              </a:extLst>
-            </a:blip>
-            <a:stretch>
-              <a:fillRect l="0" t="0" r="0" b="0"/>
-            </a:stretch>
-          </a:blipFill>
-          <a:ln cap="sq">
-            <a:noFill/>
-            <a:prstDash val="solid"/>
-            <a:miter/>
-          </a:ln>
-        </p:spPr>
-      </p:sp>
-      <p:sp>
-        <p:nvSpPr>
-          <p:cNvPr name="Freeform 5" id="5"/>
-          <p:cNvSpPr/>
-          <p:nvPr/>
-        </p:nvSpPr>
-        <p:spPr>
-          <a:xfrm flipH="false" flipV="false" rot="0">
-            <a:off x="-674156" y="-1072630"/>
-            <a:ext cx="4899948" cy="3068592"/>
-          </a:xfrm>
-          <a:custGeom>
-            <a:avLst/>
-            <a:gdLst/>
-            <a:ahLst/>
-            <a:cxnLst/>
-            <a:rect r="r" b="b" t="t" l="l"/>
-            <a:pathLst>
-              <a:path h="3068592" w="4899948">
-                <a:moveTo>
-                  <a:pt x="0" y="0"/>
-                </a:moveTo>
-                <a:lnTo>
-                  <a:pt x="4899948" y="0"/>
-                </a:lnTo>
-                <a:lnTo>
-                  <a:pt x="4899948" y="3068592"/>
-                </a:lnTo>
-                <a:lnTo>
-                  <a:pt x="0" y="3068592"/>
-                </a:lnTo>
-                <a:lnTo>
-                  <a:pt x="0" y="0"/>
-                </a:lnTo>
-                <a:close/>
-              </a:path>
-            </a:pathLst>
-          </a:custGeom>
-          <a:blipFill>
-            <a:blip r:embed="rId8">
-              <a:extLst>
-                <a:ext uri="{96DAC541-7B7A-43D3-8B79-37D633B846F1}">
-                  <asvg:svgBlip xmlns:asvg="http://schemas.microsoft.com/office/drawing/2016/SVG/main" r:embed="rId9"/>
-                </a:ext>
-              </a:extLst>
-            </a:blip>
-            <a:stretch>
-              <a:fillRect l="0" t="0" r="0" b="0"/>
-            </a:stretch>
-          </a:blipFill>
-          <a:ln cap="sq">
-            <a:noFill/>
-            <a:prstDash val="solid"/>
-            <a:miter/>
-          </a:ln>
-        </p:spPr>
-      </p:sp>
-      <p:sp>
-        <p:nvSpPr>
-          <p:cNvPr name="Freeform 6" id="6"/>
-          <p:cNvSpPr/>
-          <p:nvPr/>
-        </p:nvSpPr>
-        <p:spPr>
-          <a:xfrm flipH="false" flipV="false" rot="0">
-            <a:off x="12686214" y="-2578193"/>
-            <a:ext cx="4292424" cy="3870986"/>
-          </a:xfrm>
-          <a:custGeom>
-            <a:avLst/>
-            <a:gdLst/>
-            <a:ahLst/>
-            <a:cxnLst/>
-            <a:rect r="r" b="b" t="t" l="l"/>
-            <a:pathLst>
-              <a:path h="3870986" w="4292424">
-                <a:moveTo>
-                  <a:pt x="0" y="0"/>
-                </a:moveTo>
-                <a:lnTo>
-                  <a:pt x="4292424" y="0"/>
-                </a:lnTo>
-                <a:lnTo>
-                  <a:pt x="4292424" y="3870986"/>
-                </a:lnTo>
-                <a:lnTo>
-                  <a:pt x="0" y="3870986"/>
-                </a:lnTo>
-                <a:lnTo>
-                  <a:pt x="0" y="0"/>
-                </a:lnTo>
-                <a:close/>
-              </a:path>
-            </a:pathLst>
-          </a:custGeom>
-          <a:blipFill>
-            <a:blip r:embed="rId10">
-              <a:extLst>
-                <a:ext uri="{96DAC541-7B7A-43D3-8B79-37D633B846F1}">
-                  <asvg:svgBlip xmlns:asvg="http://schemas.microsoft.com/office/drawing/2016/SVG/main" r:embed="rId11"/>
-                </a:ext>
-              </a:extLst>
-            </a:blip>
-            <a:stretch>
-              <a:fillRect l="0" t="0" r="0" b="0"/>
-            </a:stretch>
-          </a:blipFill>
-          <a:ln cap="sq">
-            <a:noFill/>
-            <a:prstDash val="solid"/>
-            <a:miter/>
-          </a:ln>
-        </p:spPr>
-      </p:sp>
-      <p:sp>
-        <p:nvSpPr>
-          <p:cNvPr name="Freeform 7" id="7"/>
-          <p:cNvSpPr/>
-          <p:nvPr/>
-        </p:nvSpPr>
-        <p:spPr>
-          <a:xfrm flipH="false" flipV="false" rot="0">
-            <a:off x="10138935" y="9258300"/>
-            <a:ext cx="4076270" cy="2863579"/>
-          </a:xfrm>
-          <a:custGeom>
-            <a:avLst/>
-            <a:gdLst/>
-            <a:ahLst/>
-            <a:cxnLst/>
-            <a:rect r="r" b="b" t="t" l="l"/>
-            <a:pathLst>
-              <a:path h="2863579" w="4076270">
-                <a:moveTo>
-                  <a:pt x="0" y="0"/>
-                </a:moveTo>
-                <a:lnTo>
-                  <a:pt x="4076270" y="0"/>
-                </a:lnTo>
-                <a:lnTo>
-                  <a:pt x="4076270" y="2863579"/>
-                </a:lnTo>
-                <a:lnTo>
-                  <a:pt x="0" y="2863579"/>
-                </a:lnTo>
-                <a:lnTo>
-                  <a:pt x="0" y="0"/>
-                </a:lnTo>
-                <a:close/>
-              </a:path>
-            </a:pathLst>
-          </a:custGeom>
-          <a:blipFill>
-            <a:blip r:embed="rId12">
-              <a:extLst>
-                <a:ext uri="{96DAC541-7B7A-43D3-8B79-37D633B846F1}">
-                  <asvg:svgBlip xmlns:asvg="http://schemas.microsoft.com/office/drawing/2016/SVG/main" r:embed="rId13"/>
-                </a:ext>
-              </a:extLst>
-            </a:blip>
-            <a:stretch>
-              <a:fillRect l="0" t="0" r="0" b="0"/>
-            </a:stretch>
-          </a:blipFill>
-          <a:ln cap="sq">
-            <a:noFill/>
-            <a:prstDash val="solid"/>
-            <a:miter/>
-          </a:ln>
-        </p:spPr>
-      </p:sp>
-      <p:sp>
-        <p:nvSpPr>
-          <p:cNvPr name="Freeform 8" id="8"/>
-          <p:cNvSpPr/>
-          <p:nvPr/>
-        </p:nvSpPr>
-        <p:spPr>
-          <a:xfrm flipH="false" flipV="false" rot="0">
-            <a:off x="7409323" y="-2700100"/>
-            <a:ext cx="5493058" cy="4114800"/>
-          </a:xfrm>
-          <a:custGeom>
-            <a:avLst/>
-            <a:gdLst/>
-            <a:ahLst/>
-            <a:cxnLst/>
-            <a:rect r="r" b="b" t="t" l="l"/>
-            <a:pathLst>
-              <a:path h="4114800" w="5493058">
-                <a:moveTo>
-                  <a:pt x="0" y="0"/>
-                </a:moveTo>
-                <a:lnTo>
-                  <a:pt x="5493058" y="0"/>
-                </a:lnTo>
-                <a:lnTo>
-                  <a:pt x="5493058" y="4114800"/>
-                </a:lnTo>
-                <a:lnTo>
-                  <a:pt x="0" y="4114800"/>
-                </a:lnTo>
-                <a:lnTo>
-                  <a:pt x="0" y="0"/>
-                </a:lnTo>
-                <a:close/>
-              </a:path>
-            </a:pathLst>
-          </a:custGeom>
-          <a:blipFill>
-            <a:blip r:embed="rId14">
-              <a:extLst>
-                <a:ext uri="{96DAC541-7B7A-43D3-8B79-37D633B846F1}">
-                  <asvg:svgBlip xmlns:asvg="http://schemas.microsoft.com/office/drawing/2016/SVG/main" r:embed="rId15"/>
-                </a:ext>
-              </a:extLst>
-            </a:blip>
-            <a:stretch>
-              <a:fillRect l="0" t="0" r="0" b="0"/>
-            </a:stretch>
-          </a:blipFill>
-          <a:ln cap="sq">
-            <a:noFill/>
-            <a:prstDash val="solid"/>
-            <a:miter/>
-          </a:ln>
-        </p:spPr>
-      </p:sp>
-      <p:sp>
-        <p:nvSpPr>
-          <p:cNvPr name="Freeform 9" id="9"/>
-          <p:cNvSpPr/>
-          <p:nvPr/>
-        </p:nvSpPr>
-        <p:spPr>
-          <a:xfrm flipH="false" flipV="false" rot="4747568">
-            <a:off x="-2972342" y="3665317"/>
-            <a:ext cx="4896097" cy="2735694"/>
-          </a:xfrm>
-          <a:custGeom>
-            <a:avLst/>
-            <a:gdLst/>
-            <a:ahLst/>
-            <a:cxnLst/>
-            <a:rect r="r" b="b" t="t" l="l"/>
-            <a:pathLst>
-              <a:path h="2735694" w="4896097">
-                <a:moveTo>
-                  <a:pt x="0" y="0"/>
-                </a:moveTo>
-                <a:lnTo>
-                  <a:pt x="4896097" y="0"/>
-                </a:lnTo>
-                <a:lnTo>
-                  <a:pt x="4896097" y="2735694"/>
-                </a:lnTo>
-                <a:lnTo>
-                  <a:pt x="0" y="2735694"/>
-                </a:lnTo>
-                <a:lnTo>
-                  <a:pt x="0" y="0"/>
-                </a:lnTo>
-                <a:close/>
-              </a:path>
-            </a:pathLst>
-          </a:custGeom>
-          <a:blipFill>
-            <a:blip r:embed="rId16">
-              <a:extLst>
-                <a:ext uri="{96DAC541-7B7A-43D3-8B79-37D633B846F1}">
-                  <asvg:svgBlip xmlns:asvg="http://schemas.microsoft.com/office/drawing/2016/SVG/main" r:embed="rId17"/>
-                </a:ext>
-              </a:extLst>
-            </a:blip>
-            <a:stretch>
-              <a:fillRect l="0" t="0" r="0" b="0"/>
-            </a:stretch>
-          </a:blipFill>
-          <a:ln cap="sq">
-            <a:noFill/>
-            <a:prstDash val="solid"/>
-            <a:miter/>
-          </a:ln>
-        </p:spPr>
-      </p:sp>
-      <p:sp>
-        <p:nvSpPr>
-          <p:cNvPr name="Freeform 10" id="10"/>
-          <p:cNvSpPr/>
-          <p:nvPr/>
-        </p:nvSpPr>
-        <p:spPr>
-          <a:xfrm flipH="false" flipV="false" rot="0">
-            <a:off x="4831481" y="-1626507"/>
-            <a:ext cx="2892762" cy="2919301"/>
-          </a:xfrm>
-          <a:custGeom>
-            <a:avLst/>
-            <a:gdLst/>
-            <a:ahLst/>
-            <a:cxnLst/>
-            <a:rect r="r" b="b" t="t" l="l"/>
-            <a:pathLst>
-              <a:path h="2919301" w="2892762">
-                <a:moveTo>
-                  <a:pt x="0" y="0"/>
-                </a:moveTo>
-                <a:lnTo>
-                  <a:pt x="2892761" y="0"/>
-                </a:lnTo>
-                <a:lnTo>
-                  <a:pt x="2892761" y="2919300"/>
-                </a:lnTo>
-                <a:lnTo>
-                  <a:pt x="0" y="2919300"/>
-                </a:lnTo>
-                <a:lnTo>
-                  <a:pt x="0" y="0"/>
-                </a:lnTo>
-                <a:close/>
-              </a:path>
-            </a:pathLst>
-          </a:custGeom>
-          <a:blipFill>
-            <a:blip r:embed="rId18">
-              <a:extLst>
-                <a:ext uri="{96DAC541-7B7A-43D3-8B79-37D633B846F1}">
-                  <asvg:svgBlip xmlns:asvg="http://schemas.microsoft.com/office/drawing/2016/SVG/main" r:embed="rId19"/>
-                </a:ext>
-              </a:extLst>
-            </a:blip>
-            <a:stretch>
-              <a:fillRect l="0" t="0" r="0" b="0"/>
-            </a:stretch>
-          </a:blipFill>
-          <a:ln cap="sq">
-            <a:noFill/>
-            <a:prstDash val="solid"/>
-            <a:miter/>
-          </a:ln>
-        </p:spPr>
-      </p:sp>
-      <p:sp>
-        <p:nvSpPr>
-          <p:cNvPr name="Freeform 11" id="11"/>
-          <p:cNvSpPr/>
-          <p:nvPr/>
-        </p:nvSpPr>
-        <p:spPr>
-          <a:xfrm flipH="false" flipV="false" rot="0">
-            <a:off x="17259300" y="2262342"/>
-            <a:ext cx="3575541" cy="3575541"/>
-          </a:xfrm>
-          <a:custGeom>
-            <a:avLst/>
-            <a:gdLst/>
-            <a:ahLst/>
-            <a:cxnLst/>
-            <a:rect r="r" b="b" t="t" l="l"/>
-            <a:pathLst>
-              <a:path h="3575541" w="3575541">
-                <a:moveTo>
-                  <a:pt x="0" y="0"/>
-                </a:moveTo>
-                <a:lnTo>
-                  <a:pt x="3575541" y="0"/>
-                </a:lnTo>
-                <a:lnTo>
-                  <a:pt x="3575541" y="3575541"/>
-                </a:lnTo>
-                <a:lnTo>
-                  <a:pt x="0" y="3575541"/>
-                </a:lnTo>
-                <a:lnTo>
-                  <a:pt x="0" y="0"/>
-                </a:lnTo>
-                <a:close/>
-              </a:path>
-            </a:pathLst>
-          </a:custGeom>
-          <a:blipFill>
-            <a:blip r:embed="rId20">
-              <a:extLst>
-                <a:ext uri="{96DAC541-7B7A-43D3-8B79-37D633B846F1}">
-                  <asvg:svgBlip xmlns:asvg="http://schemas.microsoft.com/office/drawing/2016/SVG/main" r:embed="rId21"/>
-                </a:ext>
-              </a:extLst>
-            </a:blip>
-            <a:stretch>
-              <a:fillRect l="0" t="0" r="0" b="0"/>
-            </a:stretch>
-          </a:blipFill>
-          <a:ln cap="sq">
-            <a:noFill/>
-            <a:prstDash val="solid"/>
-            <a:miter/>
-          </a:ln>
-        </p:spPr>
-      </p:sp>
-      <p:sp>
-        <p:nvSpPr>
-          <p:cNvPr name="Freeform 12" id="12"/>
-          <p:cNvSpPr/>
-          <p:nvPr/>
-        </p:nvSpPr>
-        <p:spPr>
-          <a:xfrm flipH="false" flipV="false" rot="0">
-            <a:off x="2570549" y="9093737"/>
-            <a:ext cx="2587020" cy="2386526"/>
-          </a:xfrm>
-          <a:custGeom>
-            <a:avLst/>
-            <a:gdLst/>
-            <a:ahLst/>
-            <a:cxnLst/>
-            <a:rect r="r" b="b" t="t" l="l"/>
-            <a:pathLst>
-              <a:path h="2386526" w="2587020">
-                <a:moveTo>
-                  <a:pt x="0" y="0"/>
-                </a:moveTo>
-                <a:lnTo>
-                  <a:pt x="2587020" y="0"/>
-                </a:lnTo>
-                <a:lnTo>
-                  <a:pt x="2587020" y="2386526"/>
-                </a:lnTo>
-                <a:lnTo>
-                  <a:pt x="0" y="2386526"/>
-                </a:lnTo>
-                <a:lnTo>
-                  <a:pt x="0" y="0"/>
-                </a:lnTo>
-                <a:close/>
-              </a:path>
-            </a:pathLst>
-          </a:custGeom>
-          <a:blipFill>
-            <a:blip r:embed="rId22">
-              <a:extLst>
-                <a:ext uri="{96DAC541-7B7A-43D3-8B79-37D633B846F1}">
-                  <asvg:svgBlip xmlns:asvg="http://schemas.microsoft.com/office/drawing/2016/SVG/main" r:embed="rId23"/>
-                </a:ext>
-              </a:extLst>
-            </a:blip>
-            <a:stretch>
-              <a:fillRect l="0" t="0" r="0" b="0"/>
-            </a:stretch>
-          </a:blipFill>
-          <a:ln cap="sq">
-            <a:noFill/>
-            <a:prstDash val="solid"/>
-            <a:miter/>
-          </a:ln>
-        </p:spPr>
-      </p:sp>
-      <p:sp>
-        <p:nvSpPr>
-          <p:cNvPr name="Freeform 13" id="13"/>
-          <p:cNvSpPr/>
-          <p:nvPr/>
-        </p:nvSpPr>
-        <p:spPr>
-          <a:xfrm flipH="false" flipV="false" rot="-5282649">
-            <a:off x="16440369" y="6970869"/>
-            <a:ext cx="3382987" cy="1154444"/>
-          </a:xfrm>
-          <a:custGeom>
-            <a:avLst/>
-            <a:gdLst/>
-            <a:ahLst/>
-            <a:cxnLst/>
-            <a:rect r="r" b="b" t="t" l="l"/>
-            <a:pathLst>
-              <a:path h="1154444" w="3382987">
-                <a:moveTo>
-                  <a:pt x="0" y="0"/>
-                </a:moveTo>
-                <a:lnTo>
-                  <a:pt x="3382987" y="0"/>
-                </a:lnTo>
-                <a:lnTo>
-                  <a:pt x="3382987" y="1154445"/>
-                </a:lnTo>
-                <a:lnTo>
-                  <a:pt x="0" y="1154445"/>
-                </a:lnTo>
-                <a:lnTo>
-                  <a:pt x="0" y="0"/>
-                </a:lnTo>
-                <a:close/>
-              </a:path>
-            </a:pathLst>
-          </a:custGeom>
-          <a:blipFill>
-            <a:blip r:embed="rId24">
-              <a:extLst>
-                <a:ext uri="{96DAC541-7B7A-43D3-8B79-37D633B846F1}">
-                  <asvg:svgBlip xmlns:asvg="http://schemas.microsoft.com/office/drawing/2016/SVG/main" r:embed="rId25"/>
-                </a:ext>
-              </a:extLst>
-            </a:blip>
-            <a:stretch>
-              <a:fillRect l="0" t="0" r="0" b="0"/>
-            </a:stretch>
-          </a:blipFill>
-          <a:ln cap="sq">
-            <a:noFill/>
-            <a:prstDash val="solid"/>
-            <a:miter/>
-          </a:ln>
-        </p:spPr>
-      </p:sp>
-      <p:sp>
-        <p:nvSpPr>
-          <p:cNvPr name="Freeform 14" id="14"/>
-          <p:cNvSpPr/>
-          <p:nvPr/>
-        </p:nvSpPr>
-        <p:spPr>
-          <a:xfrm flipH="false" flipV="false" rot="0">
-            <a:off x="16978638" y="-642644"/>
-            <a:ext cx="3104522" cy="3342688"/>
-          </a:xfrm>
-          <a:custGeom>
-            <a:avLst/>
-            <a:gdLst/>
-            <a:ahLst/>
-            <a:cxnLst/>
-            <a:rect r="r" b="b" t="t" l="l"/>
-            <a:pathLst>
-              <a:path h="3342688" w="3104522">
-                <a:moveTo>
-                  <a:pt x="0" y="0"/>
-                </a:moveTo>
-                <a:lnTo>
-                  <a:pt x="3104522" y="0"/>
-                </a:lnTo>
-                <a:lnTo>
-                  <a:pt x="3104522" y="3342688"/>
-                </a:lnTo>
-                <a:lnTo>
-                  <a:pt x="0" y="3342688"/>
-                </a:lnTo>
-                <a:lnTo>
-                  <a:pt x="0" y="0"/>
-                </a:lnTo>
-                <a:close/>
-              </a:path>
-            </a:pathLst>
-          </a:custGeom>
-          <a:blipFill>
-            <a:blip r:embed="rId26">
-              <a:extLst>
-                <a:ext uri="{96DAC541-7B7A-43D3-8B79-37D633B846F1}">
-                  <asvg:svgBlip xmlns:asvg="http://schemas.microsoft.com/office/drawing/2016/SVG/main" r:embed="rId27"/>
-                </a:ext>
-              </a:extLst>
-            </a:blip>
-            <a:stretch>
-              <a:fillRect l="0" t="0" r="0" b="0"/>
-            </a:stretch>
-          </a:blipFill>
-          <a:ln cap="sq">
-            <a:noFill/>
-            <a:prstDash val="solid"/>
-            <a:miter/>
-          </a:ln>
-        </p:spPr>
-      </p:sp>
-      <p:sp>
-        <p:nvSpPr>
-          <p:cNvPr name="TextBox 15" id="15"/>
-          <p:cNvSpPr txBox="true"/>
-          <p:nvPr/>
-        </p:nvSpPr>
-        <p:spPr>
-          <a:xfrm rot="0">
-            <a:off x="3688802" y="3694607"/>
-            <a:ext cx="10910396" cy="3364511"/>
-          </a:xfrm>
-          <a:prstGeom prst="rect">
-            <a:avLst/>
-          </a:prstGeom>
-        </p:spPr>
-        <p:txBody>
-          <a:bodyPr anchor="t" rtlCol="false" tIns="0" lIns="0" bIns="0" rIns="0">
-            <a:spAutoFit/>
-          </a:bodyPr>
-          <a:lstStyle/>
-          <a:p>
-            <a:pPr algn="ctr">
-              <a:lnSpc>
-                <a:spcPts val="12699"/>
-              </a:lnSpc>
-            </a:pPr>
-            <a:r>
-              <a:rPr lang="en-US" b="true" sz="14597">
-                <a:solidFill>
-                  <a:srgbClr val="000000"/>
-                </a:solidFill>
-                <a:latin typeface="DM Sans Bold"/>
-                <a:ea typeface="DM Sans Bold"/>
-                <a:cs typeface="DM Sans Bold"/>
-                <a:sym typeface="DM Sans Bold"/>
-              </a:rPr>
-              <a:t>Спасибо за внимание!</a:t>
-            </a:r>
-          </a:p>
-        </p:txBody>
       </p:sp>
     </p:spTree>
   </p:cSld>
